--- a/Slaidid/_Java - Test.pptx
+++ b/Slaidid/_Java - Test.pptx
@@ -5,7 +5,7 @@
     <p:sldMasterId id="2147483648" r:id="rId1"/>
   </p:sldMasterIdLst>
   <p:notesMasterIdLst>
-    <p:notesMasterId r:id="rId9"/>
+    <p:notesMasterId r:id="rId13"/>
   </p:notesMasterIdLst>
   <p:sldIdLst>
     <p:sldId id="260" r:id="rId2"/>
@@ -15,6 +15,10 @@
     <p:sldId id="267" r:id="rId6"/>
     <p:sldId id="268" r:id="rId7"/>
     <p:sldId id="269" r:id="rId8"/>
+    <p:sldId id="271" r:id="rId9"/>
+    <p:sldId id="272" r:id="rId10"/>
+    <p:sldId id="273" r:id="rId11"/>
+    <p:sldId id="274" r:id="rId12"/>
   </p:sldIdLst>
   <p:sldSz cx="9144000" cy="6858000" type="screen4x3"/>
   <p:notesSz cx="6858000" cy="9144000"/>
@@ -219,7 +223,7 @@
           <a:p>
             <a:fld id="{60163E65-5F46-4A69-883D-966D9827EBBB}" type="datetimeFigureOut">
               <a:rPr lang="en-US" smtClean="0"/>
-              <a:t>11/11/2020</a:t>
+              <a:t>11/13/2020</a:t>
             </a:fld>
             <a:endParaRPr lang="en-US"/>
           </a:p>
@@ -677,7 +681,7 @@
             <a:fld id="{9B034333-4FC0-4832-B48E-1BB4D6BFA92F}" type="datetimeFigureOut">
               <a:rPr lang="et-EE" smtClean="0"/>
               <a:pPr/>
-              <a:t>11.11.2020</a:t>
+              <a:t>13.11.2020</a:t>
             </a:fld>
             <a:endParaRPr lang="et-EE"/>
           </a:p>
@@ -896,7 +900,7 @@
             <a:fld id="{9B034333-4FC0-4832-B48E-1BB4D6BFA92F}" type="datetimeFigureOut">
               <a:rPr lang="et-EE" smtClean="0"/>
               <a:pPr/>
-              <a:t>11.11.2020</a:t>
+              <a:t>13.11.2020</a:t>
             </a:fld>
             <a:endParaRPr lang="et-EE"/>
           </a:p>
@@ -1071,7 +1075,7 @@
             <a:fld id="{9B034333-4FC0-4832-B48E-1BB4D6BFA92F}" type="datetimeFigureOut">
               <a:rPr lang="et-EE" smtClean="0"/>
               <a:pPr/>
-              <a:t>11.11.2020</a:t>
+              <a:t>13.11.2020</a:t>
             </a:fld>
             <a:endParaRPr lang="et-EE"/>
           </a:p>
@@ -1314,7 +1318,7 @@
             <a:fld id="{9B034333-4FC0-4832-B48E-1BB4D6BFA92F}" type="datetimeFigureOut">
               <a:rPr lang="et-EE" smtClean="0"/>
               <a:pPr/>
-              <a:t>11.11.2020</a:t>
+              <a:t>13.11.2020</a:t>
             </a:fld>
             <a:endParaRPr lang="et-EE"/>
           </a:p>
@@ -1611,7 +1615,7 @@
             <a:fld id="{9B034333-4FC0-4832-B48E-1BB4D6BFA92F}" type="datetimeFigureOut">
               <a:rPr lang="et-EE" smtClean="0"/>
               <a:pPr/>
-              <a:t>11.11.2020</a:t>
+              <a:t>13.11.2020</a:t>
             </a:fld>
             <a:endParaRPr lang="et-EE"/>
           </a:p>
@@ -1963,7 +1967,7 @@
             <a:fld id="{9B034333-4FC0-4832-B48E-1BB4D6BFA92F}" type="datetimeFigureOut">
               <a:rPr lang="et-EE" smtClean="0"/>
               <a:pPr/>
-              <a:t>11.11.2020</a:t>
+              <a:t>13.11.2020</a:t>
             </a:fld>
             <a:endParaRPr lang="et-EE"/>
           </a:p>
@@ -2463,7 +2467,7 @@
             <a:fld id="{9B034333-4FC0-4832-B48E-1BB4D6BFA92F}" type="datetimeFigureOut">
               <a:rPr lang="et-EE" smtClean="0"/>
               <a:pPr/>
-              <a:t>11.11.2020</a:t>
+              <a:t>13.11.2020</a:t>
             </a:fld>
             <a:endParaRPr lang="et-EE"/>
           </a:p>
@@ -2577,7 +2581,7 @@
             <a:fld id="{9B034333-4FC0-4832-B48E-1BB4D6BFA92F}" type="datetimeFigureOut">
               <a:rPr lang="et-EE" smtClean="0"/>
               <a:pPr/>
-              <a:t>11.11.2020</a:t>
+              <a:t>13.11.2020</a:t>
             </a:fld>
             <a:endParaRPr lang="et-EE"/>
           </a:p>
@@ -2669,7 +2673,7 @@
             <a:fld id="{9B034333-4FC0-4832-B48E-1BB4D6BFA92F}" type="datetimeFigureOut">
               <a:rPr lang="et-EE" smtClean="0"/>
               <a:pPr/>
-              <a:t>11.11.2020</a:t>
+              <a:t>13.11.2020</a:t>
             </a:fld>
             <a:endParaRPr lang="et-EE"/>
           </a:p>
@@ -2941,7 +2945,7 @@
             <a:fld id="{9B034333-4FC0-4832-B48E-1BB4D6BFA92F}" type="datetimeFigureOut">
               <a:rPr lang="et-EE" smtClean="0"/>
               <a:pPr/>
-              <a:t>11.11.2020</a:t>
+              <a:t>13.11.2020</a:t>
             </a:fld>
             <a:endParaRPr lang="et-EE"/>
           </a:p>
@@ -3193,7 +3197,7 @@
             <a:fld id="{9B034333-4FC0-4832-B48E-1BB4D6BFA92F}" type="datetimeFigureOut">
               <a:rPr lang="et-EE" smtClean="0"/>
               <a:pPr/>
-              <a:t>11.11.2020</a:t>
+              <a:t>13.11.2020</a:t>
             </a:fld>
             <a:endParaRPr lang="et-EE"/>
           </a:p>
@@ -3402,7 +3406,7 @@
             <a:fld id="{9B034333-4FC0-4832-B48E-1BB4D6BFA92F}" type="datetimeFigureOut">
               <a:rPr lang="et-EE" smtClean="0"/>
               <a:pPr/>
-              <a:t>11.11.2020</a:t>
+              <a:t>13.11.2020</a:t>
             </a:fld>
             <a:endParaRPr lang="et-EE"/>
           </a:p>
@@ -3795,7 +3799,7 @@
           <a:p>
             <a:r>
               <a:rPr lang="et-EE" dirty="0"/>
-              <a:t>Test</a:t>
+              <a:t>Test 2</a:t>
             </a:r>
           </a:p>
         </p:txBody>
@@ -3820,6 +3824,793 @@
         </p:txBody>
       </p:sp>
     </p:spTree>
+  </p:cSld>
+  <p:clrMapOvr>
+    <a:masterClrMapping/>
+  </p:clrMapOvr>
+</p:sld>
+</file>
+
+<file path=ppt/slides/slide10.xml><?xml version="1.0" encoding="utf-8"?>
+<p:sld xmlns:a="http://schemas.openxmlformats.org/drawingml/2006/main" xmlns:r="http://schemas.openxmlformats.org/officeDocument/2006/relationships" xmlns:p="http://schemas.openxmlformats.org/presentationml/2006/main">
+  <p:cSld>
+    <p:spTree>
+      <p:nvGrpSpPr>
+        <p:cNvPr id="1" name=""/>
+        <p:cNvGrpSpPr/>
+        <p:nvPr/>
+      </p:nvGrpSpPr>
+      <p:grpSpPr>
+        <a:xfrm>
+          <a:off x="0" y="0"/>
+          <a:ext cx="0" cy="0"/>
+          <a:chOff x="0" y="0"/>
+          <a:chExt cx="0" cy="0"/>
+        </a:xfrm>
+      </p:grpSpPr>
+      <p:sp>
+        <p:nvSpPr>
+          <p:cNvPr id="2" name="Title 1">
+            <a:extLst>
+              <a:ext uri="{FF2B5EF4-FFF2-40B4-BE49-F238E27FC236}">
+                <a16:creationId xmlns:a16="http://schemas.microsoft.com/office/drawing/2014/main" id="{F63A9465-57B5-46CE-AD76-178645432931}"/>
+              </a:ext>
+            </a:extLst>
+          </p:cNvPr>
+          <p:cNvSpPr>
+            <a:spLocks noGrp="1"/>
+          </p:cNvSpPr>
+          <p:nvPr>
+            <p:ph type="title"/>
+          </p:nvPr>
+        </p:nvSpPr>
+        <p:spPr/>
+        <p:txBody>
+          <a:bodyPr/>
+          <a:lstStyle/>
+          <a:p>
+            <a:r>
+              <a:rPr lang="et-EE" dirty="0"/>
+              <a:t>Näidis Ülesanne 2</a:t>
+            </a:r>
+            <a:endParaRPr lang="en-US" dirty="0"/>
+          </a:p>
+        </p:txBody>
+      </p:sp>
+      <p:graphicFrame>
+        <p:nvGraphicFramePr>
+          <p:cNvPr id="4" name="Table 4">
+            <a:extLst>
+              <a:ext uri="{FF2B5EF4-FFF2-40B4-BE49-F238E27FC236}">
+                <a16:creationId xmlns:a16="http://schemas.microsoft.com/office/drawing/2014/main" id="{A7DF1316-2DF1-4C11-962E-DBD773E6E9C8}"/>
+              </a:ext>
+            </a:extLst>
+          </p:cNvPr>
+          <p:cNvGraphicFramePr>
+            <a:graphicFrameLocks noGrp="1"/>
+          </p:cNvGraphicFramePr>
+          <p:nvPr>
+            <p:ph idx="1"/>
+          </p:nvPr>
+        </p:nvGraphicFramePr>
+        <p:xfrm>
+          <a:off x="450850" y="2387600"/>
+          <a:ext cx="8235948" cy="1483360"/>
+        </p:xfrm>
+        <a:graphic>
+          <a:graphicData uri="http://schemas.openxmlformats.org/drawingml/2006/table">
+            <a:tbl>
+              <a:tblPr firstRow="1" bandRow="1">
+                <a:tableStyleId>{5C22544A-7EE6-4342-B048-85BDC9FD1C3A}</a:tableStyleId>
+              </a:tblPr>
+              <a:tblGrid>
+                <a:gridCol w="2745316">
+                  <a:extLst>
+                    <a:ext uri="{9D8B030D-6E8A-4147-A177-3AD203B41FA5}">
+                      <a16:colId xmlns:a16="http://schemas.microsoft.com/office/drawing/2014/main" val="210578535"/>
+                    </a:ext>
+                  </a:extLst>
+                </a:gridCol>
+                <a:gridCol w="2745316">
+                  <a:extLst>
+                    <a:ext uri="{9D8B030D-6E8A-4147-A177-3AD203B41FA5}">
+                      <a16:colId xmlns:a16="http://schemas.microsoft.com/office/drawing/2014/main" val="1501288521"/>
+                    </a:ext>
+                  </a:extLst>
+                </a:gridCol>
+                <a:gridCol w="2745316">
+                  <a:extLst>
+                    <a:ext uri="{9D8B030D-6E8A-4147-A177-3AD203B41FA5}">
+                      <a16:colId xmlns:a16="http://schemas.microsoft.com/office/drawing/2014/main" val="550353460"/>
+                    </a:ext>
+                  </a:extLst>
+                </a:gridCol>
+              </a:tblGrid>
+              <a:tr h="370840">
+                <a:tc>
+                  <a:txBody>
+                    <a:bodyPr/>
+                    <a:lstStyle/>
+                    <a:p>
+                      <a:r>
+                        <a:rPr lang="et-EE" dirty="0"/>
+                        <a:t>id</a:t>
+                      </a:r>
+                      <a:endParaRPr lang="en-US" dirty="0"/>
+                    </a:p>
+                  </a:txBody>
+                  <a:tcPr/>
+                </a:tc>
+                <a:tc>
+                  <a:txBody>
+                    <a:bodyPr/>
+                    <a:lstStyle/>
+                    <a:p>
+                      <a:r>
+                        <a:rPr lang="et-EE" dirty="0" err="1"/>
+                        <a:t>name</a:t>
+                      </a:r>
+                      <a:endParaRPr lang="en-US" dirty="0"/>
+                    </a:p>
+                  </a:txBody>
+                  <a:tcPr/>
+                </a:tc>
+                <a:tc>
+                  <a:txBody>
+                    <a:bodyPr/>
+                    <a:lstStyle/>
+                    <a:p>
+                      <a:r>
+                        <a:rPr lang="et-EE" dirty="0" err="1"/>
+                        <a:t>address</a:t>
+                      </a:r>
+                      <a:endParaRPr lang="en-US" dirty="0"/>
+                    </a:p>
+                  </a:txBody>
+                  <a:tcPr/>
+                </a:tc>
+                <a:extLst>
+                  <a:ext uri="{0D108BD9-81ED-4DB2-BD59-A6C34878D82A}">
+                    <a16:rowId xmlns:a16="http://schemas.microsoft.com/office/drawing/2014/main" val="644625737"/>
+                  </a:ext>
+                </a:extLst>
+              </a:tr>
+              <a:tr h="370840">
+                <a:tc>
+                  <a:txBody>
+                    <a:bodyPr/>
+                    <a:lstStyle/>
+                    <a:p>
+                      <a:r>
+                        <a:rPr lang="et-EE" dirty="0"/>
+                        <a:t>1</a:t>
+                      </a:r>
+                      <a:endParaRPr lang="en-US" dirty="0"/>
+                    </a:p>
+                  </a:txBody>
+                  <a:tcPr/>
+                </a:tc>
+                <a:tc>
+                  <a:txBody>
+                    <a:bodyPr/>
+                    <a:lstStyle/>
+                    <a:p>
+                      <a:r>
+                        <a:rPr lang="et-EE" dirty="0"/>
+                        <a:t>John</a:t>
+                      </a:r>
+                      <a:endParaRPr lang="en-US" dirty="0"/>
+                    </a:p>
+                  </a:txBody>
+                  <a:tcPr/>
+                </a:tc>
+                <a:tc>
+                  <a:txBody>
+                    <a:bodyPr/>
+                    <a:lstStyle/>
+                    <a:p>
+                      <a:r>
+                        <a:rPr lang="et-EE" dirty="0"/>
+                        <a:t>USA</a:t>
+                      </a:r>
+                      <a:endParaRPr lang="en-US" dirty="0"/>
+                    </a:p>
+                  </a:txBody>
+                  <a:tcPr/>
+                </a:tc>
+                <a:extLst>
+                  <a:ext uri="{0D108BD9-81ED-4DB2-BD59-A6C34878D82A}">
+                    <a16:rowId xmlns:a16="http://schemas.microsoft.com/office/drawing/2014/main" val="3238972591"/>
+                  </a:ext>
+                </a:extLst>
+              </a:tr>
+              <a:tr h="370840">
+                <a:tc>
+                  <a:txBody>
+                    <a:bodyPr/>
+                    <a:lstStyle/>
+                    <a:p>
+                      <a:r>
+                        <a:rPr lang="et-EE" dirty="0"/>
+                        <a:t>2</a:t>
+                      </a:r>
+                      <a:endParaRPr lang="en-US" dirty="0"/>
+                    </a:p>
+                  </a:txBody>
+                  <a:tcPr/>
+                </a:tc>
+                <a:tc>
+                  <a:txBody>
+                    <a:bodyPr/>
+                    <a:lstStyle/>
+                    <a:p>
+                      <a:r>
+                        <a:rPr lang="et-EE" dirty="0"/>
+                        <a:t>Alice</a:t>
+                      </a:r>
+                      <a:endParaRPr lang="en-US" dirty="0"/>
+                    </a:p>
+                  </a:txBody>
+                  <a:tcPr/>
+                </a:tc>
+                <a:tc>
+                  <a:txBody>
+                    <a:bodyPr/>
+                    <a:lstStyle/>
+                    <a:p>
+                      <a:r>
+                        <a:rPr lang="et-EE" dirty="0"/>
+                        <a:t>UK</a:t>
+                      </a:r>
+                      <a:endParaRPr lang="en-US" dirty="0"/>
+                    </a:p>
+                  </a:txBody>
+                  <a:tcPr/>
+                </a:tc>
+                <a:extLst>
+                  <a:ext uri="{0D108BD9-81ED-4DB2-BD59-A6C34878D82A}">
+                    <a16:rowId xmlns:a16="http://schemas.microsoft.com/office/drawing/2014/main" val="2304474025"/>
+                  </a:ext>
+                </a:extLst>
+              </a:tr>
+              <a:tr h="370840">
+                <a:tc>
+                  <a:txBody>
+                    <a:bodyPr/>
+                    <a:lstStyle/>
+                    <a:p>
+                      <a:r>
+                        <a:rPr lang="et-EE" dirty="0"/>
+                        <a:t>3</a:t>
+                      </a:r>
+                      <a:endParaRPr lang="en-US" dirty="0"/>
+                    </a:p>
+                  </a:txBody>
+                  <a:tcPr/>
+                </a:tc>
+                <a:tc>
+                  <a:txBody>
+                    <a:bodyPr/>
+                    <a:lstStyle/>
+                    <a:p>
+                      <a:r>
+                        <a:rPr lang="et-EE" dirty="0"/>
+                        <a:t>Bob</a:t>
+                      </a:r>
+                      <a:endParaRPr lang="en-US" dirty="0"/>
+                    </a:p>
+                  </a:txBody>
+                  <a:tcPr/>
+                </a:tc>
+                <a:tc>
+                  <a:txBody>
+                    <a:bodyPr/>
+                    <a:lstStyle/>
+                    <a:p>
+                      <a:r>
+                        <a:rPr lang="et-EE" dirty="0" err="1"/>
+                        <a:t>Unknown</a:t>
+                      </a:r>
+                      <a:endParaRPr lang="en-US" dirty="0"/>
+                    </a:p>
+                  </a:txBody>
+                  <a:tcPr/>
+                </a:tc>
+                <a:extLst>
+                  <a:ext uri="{0D108BD9-81ED-4DB2-BD59-A6C34878D82A}">
+                    <a16:rowId xmlns:a16="http://schemas.microsoft.com/office/drawing/2014/main" val="1912097439"/>
+                  </a:ext>
+                </a:extLst>
+              </a:tr>
+            </a:tbl>
+          </a:graphicData>
+        </a:graphic>
+      </p:graphicFrame>
+      <p:sp>
+        <p:nvSpPr>
+          <p:cNvPr id="5" name="Content Placeholder 4">
+            <a:extLst>
+              <a:ext uri="{FF2B5EF4-FFF2-40B4-BE49-F238E27FC236}">
+                <a16:creationId xmlns:a16="http://schemas.microsoft.com/office/drawing/2014/main" id="{1EF36705-0575-47DD-BD04-C69A59F852AF}"/>
+              </a:ext>
+            </a:extLst>
+          </p:cNvPr>
+          <p:cNvSpPr txBox="1">
+            <a:spLocks/>
+          </p:cNvSpPr>
+          <p:nvPr/>
+        </p:nvSpPr>
+        <p:spPr>
+          <a:xfrm>
+            <a:off x="539552" y="4100726"/>
+            <a:ext cx="8147248" cy="2280602"/>
+          </a:xfrm>
+          <a:prstGeom prst="rect">
+            <a:avLst/>
+          </a:prstGeom>
+        </p:spPr>
+        <p:txBody>
+          <a:bodyPr vert="horz" lIns="91440" tIns="45720" rIns="91440" bIns="45720" rtlCol="0">
+            <a:normAutofit/>
+          </a:bodyPr>
+          <a:lstStyle>
+            <a:lvl1pPr marL="342900" indent="-342900" algn="l" defTabSz="914400" rtl="0" eaLnBrk="1" latinLnBrk="0" hangingPunct="1">
+              <a:spcBef>
+                <a:spcPct val="20000"/>
+              </a:spcBef>
+              <a:buFont typeface="Arial" pitchFamily="34" charset="0"/>
+              <a:buChar char="•"/>
+              <a:defRPr sz="2800" kern="1200">
+                <a:solidFill>
+                  <a:schemeClr val="tx1">
+                    <a:lumMod val="85000"/>
+                    <a:lumOff val="15000"/>
+                  </a:schemeClr>
+                </a:solidFill>
+                <a:latin typeface="+mn-lt"/>
+                <a:ea typeface="+mn-ea"/>
+                <a:cs typeface="+mn-cs"/>
+              </a:defRPr>
+            </a:lvl1pPr>
+            <a:lvl2pPr marL="742950" indent="-285750" algn="l" defTabSz="914400" rtl="0" eaLnBrk="1" latinLnBrk="0" hangingPunct="1">
+              <a:spcBef>
+                <a:spcPct val="20000"/>
+              </a:spcBef>
+              <a:buFont typeface="Arial" pitchFamily="34" charset="0"/>
+              <a:buChar char="–"/>
+              <a:defRPr sz="2600" kern="1200">
+                <a:solidFill>
+                  <a:schemeClr val="tx1">
+                    <a:lumMod val="85000"/>
+                    <a:lumOff val="15000"/>
+                  </a:schemeClr>
+                </a:solidFill>
+                <a:latin typeface="+mn-lt"/>
+                <a:ea typeface="+mn-ea"/>
+                <a:cs typeface="+mn-cs"/>
+              </a:defRPr>
+            </a:lvl2pPr>
+            <a:lvl3pPr marL="1143000" indent="-228600" algn="l" defTabSz="914400" rtl="0" eaLnBrk="1" latinLnBrk="0" hangingPunct="1">
+              <a:spcBef>
+                <a:spcPct val="20000"/>
+              </a:spcBef>
+              <a:buFont typeface="Arial" pitchFamily="34" charset="0"/>
+              <a:buChar char="•"/>
+              <a:defRPr sz="2400" kern="1200">
+                <a:solidFill>
+                  <a:schemeClr val="tx1">
+                    <a:lumMod val="85000"/>
+                    <a:lumOff val="15000"/>
+                  </a:schemeClr>
+                </a:solidFill>
+                <a:latin typeface="+mn-lt"/>
+                <a:ea typeface="+mn-ea"/>
+                <a:cs typeface="+mn-cs"/>
+              </a:defRPr>
+            </a:lvl3pPr>
+            <a:lvl4pPr marL="1600200" indent="-228600" algn="l" defTabSz="914400" rtl="0" eaLnBrk="1" latinLnBrk="0" hangingPunct="1">
+              <a:spcBef>
+                <a:spcPct val="20000"/>
+              </a:spcBef>
+              <a:buFont typeface="Arial" pitchFamily="34" charset="0"/>
+              <a:buChar char="–"/>
+              <a:defRPr sz="2000" kern="1200">
+                <a:solidFill>
+                  <a:schemeClr val="tx1">
+                    <a:lumMod val="85000"/>
+                    <a:lumOff val="15000"/>
+                  </a:schemeClr>
+                </a:solidFill>
+                <a:latin typeface="+mn-lt"/>
+                <a:ea typeface="+mn-ea"/>
+                <a:cs typeface="+mn-cs"/>
+              </a:defRPr>
+            </a:lvl4pPr>
+            <a:lvl5pPr marL="2057400" indent="-228600" algn="l" defTabSz="914400" rtl="0" eaLnBrk="1" latinLnBrk="0" hangingPunct="1">
+              <a:spcBef>
+                <a:spcPct val="20000"/>
+              </a:spcBef>
+              <a:buFont typeface="Arial" pitchFamily="34" charset="0"/>
+              <a:buChar char="»"/>
+              <a:defRPr sz="2000" kern="1200">
+                <a:solidFill>
+                  <a:schemeClr val="tx1">
+                    <a:lumMod val="85000"/>
+                    <a:lumOff val="15000"/>
+                  </a:schemeClr>
+                </a:solidFill>
+                <a:latin typeface="+mn-lt"/>
+                <a:ea typeface="+mn-ea"/>
+                <a:cs typeface="+mn-cs"/>
+              </a:defRPr>
+            </a:lvl5pPr>
+            <a:lvl6pPr marL="2514600" indent="-228600" algn="l" defTabSz="914400" rtl="0" eaLnBrk="1" latinLnBrk="0" hangingPunct="1">
+              <a:spcBef>
+                <a:spcPct val="20000"/>
+              </a:spcBef>
+              <a:buFont typeface="Arial" pitchFamily="34" charset="0"/>
+              <a:buChar char="•"/>
+              <a:defRPr sz="2000" kern="1200">
+                <a:solidFill>
+                  <a:schemeClr val="tx1"/>
+                </a:solidFill>
+                <a:latin typeface="+mn-lt"/>
+                <a:ea typeface="+mn-ea"/>
+                <a:cs typeface="+mn-cs"/>
+              </a:defRPr>
+            </a:lvl6pPr>
+            <a:lvl7pPr marL="2971800" indent="-228600" algn="l" defTabSz="914400" rtl="0" eaLnBrk="1" latinLnBrk="0" hangingPunct="1">
+              <a:spcBef>
+                <a:spcPct val="20000"/>
+              </a:spcBef>
+              <a:buFont typeface="Arial" pitchFamily="34" charset="0"/>
+              <a:buChar char="•"/>
+              <a:defRPr sz="2000" kern="1200">
+                <a:solidFill>
+                  <a:schemeClr val="tx1"/>
+                </a:solidFill>
+                <a:latin typeface="+mn-lt"/>
+                <a:ea typeface="+mn-ea"/>
+                <a:cs typeface="+mn-cs"/>
+              </a:defRPr>
+            </a:lvl7pPr>
+            <a:lvl8pPr marL="3429000" indent="-228600" algn="l" defTabSz="914400" rtl="0" eaLnBrk="1" latinLnBrk="0" hangingPunct="1">
+              <a:spcBef>
+                <a:spcPct val="20000"/>
+              </a:spcBef>
+              <a:buFont typeface="Arial" pitchFamily="34" charset="0"/>
+              <a:buChar char="•"/>
+              <a:defRPr sz="2000" kern="1200">
+                <a:solidFill>
+                  <a:schemeClr val="tx1"/>
+                </a:solidFill>
+                <a:latin typeface="+mn-lt"/>
+                <a:ea typeface="+mn-ea"/>
+                <a:cs typeface="+mn-cs"/>
+              </a:defRPr>
+            </a:lvl8pPr>
+            <a:lvl9pPr marL="3886200" indent="-228600" algn="l" defTabSz="914400" rtl="0" eaLnBrk="1" latinLnBrk="0" hangingPunct="1">
+              <a:spcBef>
+                <a:spcPct val="20000"/>
+              </a:spcBef>
+              <a:buFont typeface="Arial" pitchFamily="34" charset="0"/>
+              <a:buChar char="•"/>
+              <a:defRPr sz="2000" kern="1200">
+                <a:solidFill>
+                  <a:schemeClr val="tx1"/>
+                </a:solidFill>
+                <a:latin typeface="+mn-lt"/>
+                <a:ea typeface="+mn-ea"/>
+                <a:cs typeface="+mn-cs"/>
+              </a:defRPr>
+            </a:lvl9pPr>
+          </a:lstStyle>
+          <a:p>
+            <a:pPr marL="0" indent="0">
+              <a:buNone/>
+            </a:pPr>
+            <a:r>
+              <a:rPr lang="et-EE" dirty="0"/>
+              <a:t>String </a:t>
+            </a:r>
+            <a:r>
+              <a:rPr lang="et-EE" dirty="0" err="1"/>
+              <a:t>sql</a:t>
+            </a:r>
+            <a:r>
+              <a:rPr lang="et-EE" dirty="0"/>
+              <a:t> = „SELECT * FROM </a:t>
+            </a:r>
+            <a:r>
+              <a:rPr lang="et-EE" dirty="0" err="1"/>
+              <a:t>clients</a:t>
+            </a:r>
+            <a:r>
+              <a:rPr lang="et-EE" dirty="0"/>
+              <a:t>“;</a:t>
+            </a:r>
+          </a:p>
+          <a:p>
+            <a:pPr marL="0" indent="0">
+              <a:buNone/>
+            </a:pPr>
+            <a:r>
+              <a:rPr lang="et-EE" dirty="0"/>
+              <a:t>List&lt;</a:t>
+            </a:r>
+            <a:r>
+              <a:rPr lang="et-EE" dirty="0" err="1"/>
+              <a:t>Client</a:t>
+            </a:r>
+            <a:r>
+              <a:rPr lang="et-EE" dirty="0"/>
+              <a:t>&gt; </a:t>
+            </a:r>
+            <a:r>
+              <a:rPr lang="et-EE" dirty="0" err="1"/>
+              <a:t>clients</a:t>
+            </a:r>
+            <a:r>
+              <a:rPr lang="et-EE" dirty="0"/>
+              <a:t> = </a:t>
+            </a:r>
+            <a:r>
+              <a:rPr lang="et-EE" dirty="0" err="1"/>
+              <a:t>jdbcTemplate.query</a:t>
+            </a:r>
+            <a:r>
+              <a:rPr lang="et-EE" dirty="0"/>
+              <a:t>(</a:t>
+            </a:r>
+            <a:r>
+              <a:rPr lang="et-EE" dirty="0" err="1"/>
+              <a:t>sql</a:t>
+            </a:r>
+            <a:r>
+              <a:rPr lang="et-EE" dirty="0"/>
+              <a:t>, </a:t>
+            </a:r>
+            <a:r>
+              <a:rPr lang="et-EE" dirty="0" err="1"/>
+              <a:t>new</a:t>
+            </a:r>
+            <a:r>
+              <a:rPr lang="et-EE" dirty="0"/>
+              <a:t> </a:t>
+            </a:r>
+            <a:r>
+              <a:rPr lang="et-EE" dirty="0" err="1"/>
+              <a:t>HashMap</a:t>
+            </a:r>
+            <a:r>
+              <a:rPr lang="et-EE" dirty="0"/>
+              <a:t>(), </a:t>
+            </a:r>
+            <a:r>
+              <a:rPr lang="et-EE" dirty="0" err="1"/>
+              <a:t>new</a:t>
+            </a:r>
+            <a:r>
+              <a:rPr lang="et-EE" dirty="0"/>
+              <a:t> </a:t>
+            </a:r>
+            <a:r>
+              <a:rPr lang="et-EE" dirty="0" err="1"/>
+              <a:t>ClientRowMapper</a:t>
+            </a:r>
+            <a:r>
+              <a:rPr lang="et-EE" dirty="0"/>
+              <a:t>());</a:t>
+            </a:r>
+          </a:p>
+          <a:p>
+            <a:pPr marL="0" indent="0">
+              <a:buNone/>
+            </a:pPr>
+            <a:r>
+              <a:rPr lang="et-EE" dirty="0"/>
+              <a:t>Kirjuta kood, mis defineerib </a:t>
+            </a:r>
+            <a:r>
+              <a:rPr lang="et-EE" dirty="0" err="1"/>
+              <a:t>ClientRowMapper</a:t>
+            </a:r>
+            <a:r>
+              <a:rPr lang="et-EE" dirty="0"/>
+              <a:t> klassi</a:t>
+            </a:r>
+          </a:p>
+        </p:txBody>
+      </p:sp>
+    </p:spTree>
+    <p:extLst>
+      <p:ext uri="{BB962C8B-B14F-4D97-AF65-F5344CB8AC3E}">
+        <p14:creationId xmlns:p14="http://schemas.microsoft.com/office/powerpoint/2010/main" val="1211040075"/>
+      </p:ext>
+    </p:extLst>
+  </p:cSld>
+  <p:clrMapOvr>
+    <a:masterClrMapping/>
+  </p:clrMapOvr>
+</p:sld>
+</file>
+
+<file path=ppt/slides/slide11.xml><?xml version="1.0" encoding="utf-8"?>
+<p:sld xmlns:a="http://schemas.openxmlformats.org/drawingml/2006/main" xmlns:r="http://schemas.openxmlformats.org/officeDocument/2006/relationships" xmlns:p="http://schemas.openxmlformats.org/presentationml/2006/main">
+  <p:cSld>
+    <p:spTree>
+      <p:nvGrpSpPr>
+        <p:cNvPr id="1" name=""/>
+        <p:cNvGrpSpPr/>
+        <p:nvPr/>
+      </p:nvGrpSpPr>
+      <p:grpSpPr>
+        <a:xfrm>
+          <a:off x="0" y="0"/>
+          <a:ext cx="0" cy="0"/>
+          <a:chOff x="0" y="0"/>
+          <a:chExt cx="0" cy="0"/>
+        </a:xfrm>
+      </p:grpSpPr>
+      <p:sp>
+        <p:nvSpPr>
+          <p:cNvPr id="2" name="Title 1">
+            <a:extLst>
+              <a:ext uri="{FF2B5EF4-FFF2-40B4-BE49-F238E27FC236}">
+                <a16:creationId xmlns:a16="http://schemas.microsoft.com/office/drawing/2014/main" id="{E5232B86-80B5-4B59-85AD-A8E914463E85}"/>
+              </a:ext>
+            </a:extLst>
+          </p:cNvPr>
+          <p:cNvSpPr>
+            <a:spLocks noGrp="1"/>
+          </p:cNvSpPr>
+          <p:nvPr>
+            <p:ph type="title"/>
+          </p:nvPr>
+        </p:nvSpPr>
+        <p:spPr/>
+        <p:txBody>
+          <a:bodyPr/>
+          <a:lstStyle/>
+          <a:p>
+            <a:r>
+              <a:rPr lang="et-EE" dirty="0"/>
+              <a:t>Näidis ülesanded 3</a:t>
+            </a:r>
+            <a:endParaRPr lang="en-US" dirty="0"/>
+          </a:p>
+        </p:txBody>
+      </p:sp>
+      <p:sp>
+        <p:nvSpPr>
+          <p:cNvPr id="3" name="Content Placeholder 2">
+            <a:extLst>
+              <a:ext uri="{FF2B5EF4-FFF2-40B4-BE49-F238E27FC236}">
+                <a16:creationId xmlns:a16="http://schemas.microsoft.com/office/drawing/2014/main" id="{966434BD-7694-4B48-9E33-A584AC46ACFC}"/>
+              </a:ext>
+            </a:extLst>
+          </p:cNvPr>
+          <p:cNvSpPr>
+            <a:spLocks noGrp="1"/>
+          </p:cNvSpPr>
+          <p:nvPr>
+            <p:ph idx="1"/>
+          </p:nvPr>
+        </p:nvSpPr>
+        <p:spPr/>
+        <p:txBody>
+          <a:bodyPr>
+            <a:normAutofit lnSpcReduction="10000"/>
+          </a:bodyPr>
+          <a:lstStyle/>
+          <a:p>
+            <a:pPr marL="0" indent="0">
+              <a:buNone/>
+            </a:pPr>
+            <a:r>
+              <a:rPr lang="et-EE" dirty="0"/>
+              <a:t>Mis </a:t>
+            </a:r>
+            <a:r>
+              <a:rPr lang="et-EE" dirty="0" err="1"/>
+              <a:t>Intellij</a:t>
+            </a:r>
+            <a:r>
+              <a:rPr lang="et-EE" dirty="0"/>
+              <a:t> </a:t>
+            </a:r>
+            <a:r>
+              <a:rPr lang="et-EE" dirty="0" err="1"/>
+              <a:t>shortcutiga</a:t>
+            </a:r>
+            <a:r>
+              <a:rPr lang="et-EE" dirty="0"/>
+              <a:t> saab:</a:t>
+            </a:r>
+          </a:p>
+          <a:p>
+            <a:r>
+              <a:rPr lang="et-EE" dirty="0" err="1"/>
+              <a:t>Rename</a:t>
+            </a:r>
+            <a:r>
+              <a:rPr lang="et-EE" dirty="0"/>
+              <a:t> </a:t>
+            </a:r>
+            <a:r>
+              <a:rPr lang="et-EE" dirty="0" err="1"/>
+              <a:t>object</a:t>
+            </a:r>
+            <a:endParaRPr lang="et-EE" dirty="0"/>
+          </a:p>
+          <a:p>
+            <a:r>
+              <a:rPr lang="et-EE" dirty="0" err="1"/>
+              <a:t>Find</a:t>
+            </a:r>
+            <a:r>
+              <a:rPr lang="et-EE" dirty="0"/>
+              <a:t> </a:t>
+            </a:r>
+            <a:r>
+              <a:rPr lang="et-EE" dirty="0" err="1"/>
+              <a:t>error</a:t>
+            </a:r>
+            <a:endParaRPr lang="et-EE" dirty="0"/>
+          </a:p>
+          <a:p>
+            <a:r>
+              <a:rPr lang="et-EE" dirty="0" err="1"/>
+              <a:t>Find</a:t>
+            </a:r>
+            <a:r>
+              <a:rPr lang="et-EE" dirty="0"/>
+              <a:t> </a:t>
+            </a:r>
+            <a:r>
+              <a:rPr lang="et-EE" dirty="0" err="1"/>
+              <a:t>class</a:t>
+            </a:r>
+            <a:endParaRPr lang="et-EE" dirty="0"/>
+          </a:p>
+          <a:p>
+            <a:pPr marL="0" indent="0">
+              <a:buNone/>
+            </a:pPr>
+            <a:endParaRPr lang="et-EE" dirty="0"/>
+          </a:p>
+          <a:p>
+            <a:pPr marL="0" indent="0">
+              <a:buNone/>
+            </a:pPr>
+            <a:r>
+              <a:rPr lang="et-EE" dirty="0"/>
+              <a:t>Mida tähendab veakood:</a:t>
+            </a:r>
+          </a:p>
+          <a:p>
+            <a:r>
+              <a:rPr lang="et-EE" dirty="0"/>
+              <a:t>500</a:t>
+            </a:r>
+          </a:p>
+          <a:p>
+            <a:r>
+              <a:rPr lang="et-EE" dirty="0"/>
+              <a:t>404</a:t>
+            </a:r>
+          </a:p>
+          <a:p>
+            <a:endParaRPr lang="en-US" dirty="0"/>
+          </a:p>
+        </p:txBody>
+      </p:sp>
+    </p:spTree>
+    <p:extLst>
+      <p:ext uri="{BB962C8B-B14F-4D97-AF65-F5344CB8AC3E}">
+        <p14:creationId xmlns:p14="http://schemas.microsoft.com/office/powerpoint/2010/main" val="3515098517"/>
+      </p:ext>
+    </p:extLst>
   </p:cSld>
   <p:clrMapOvr>
     <a:masterClrMapping/>
@@ -4944,6 +5735,2226 @@
     <p:extLst>
       <p:ext uri="{BB962C8B-B14F-4D97-AF65-F5344CB8AC3E}">
         <p14:creationId xmlns:p14="http://schemas.microsoft.com/office/powerpoint/2010/main" val="583072643"/>
+      </p:ext>
+    </p:extLst>
+  </p:cSld>
+  <p:clrMapOvr>
+    <a:masterClrMapping/>
+  </p:clrMapOvr>
+</p:sld>
+</file>
+
+<file path=ppt/slides/slide8.xml><?xml version="1.0" encoding="utf-8"?>
+<p:sld xmlns:a="http://schemas.openxmlformats.org/drawingml/2006/main" xmlns:r="http://schemas.openxmlformats.org/officeDocument/2006/relationships" xmlns:p="http://schemas.openxmlformats.org/presentationml/2006/main">
+  <p:cSld>
+    <p:spTree>
+      <p:nvGrpSpPr>
+        <p:cNvPr id="1" name=""/>
+        <p:cNvGrpSpPr/>
+        <p:nvPr/>
+      </p:nvGrpSpPr>
+      <p:grpSpPr>
+        <a:xfrm>
+          <a:off x="0" y="0"/>
+          <a:ext cx="0" cy="0"/>
+          <a:chOff x="0" y="0"/>
+          <a:chExt cx="0" cy="0"/>
+        </a:xfrm>
+      </p:grpSpPr>
+      <p:sp>
+        <p:nvSpPr>
+          <p:cNvPr id="2" name="Title 1">
+            <a:extLst>
+              <a:ext uri="{FF2B5EF4-FFF2-40B4-BE49-F238E27FC236}">
+                <a16:creationId xmlns:a16="http://schemas.microsoft.com/office/drawing/2014/main" id="{4F4BB594-4B93-49AF-99F5-7AA8D8E404EF}"/>
+              </a:ext>
+            </a:extLst>
+          </p:cNvPr>
+          <p:cNvSpPr>
+            <a:spLocks noGrp="1"/>
+          </p:cNvSpPr>
+          <p:nvPr>
+            <p:ph type="title"/>
+          </p:nvPr>
+        </p:nvSpPr>
+        <p:spPr>
+          <a:xfrm>
+            <a:off x="449298" y="831907"/>
+            <a:ext cx="8229600" cy="469950"/>
+          </a:xfrm>
+        </p:spPr>
+        <p:txBody>
+          <a:bodyPr>
+            <a:normAutofit fontScale="90000"/>
+          </a:bodyPr>
+          <a:lstStyle/>
+          <a:p>
+            <a:r>
+              <a:rPr lang="et-EE" dirty="0"/>
+              <a:t>Näidis ülesanded</a:t>
+            </a:r>
+            <a:endParaRPr lang="en-US" dirty="0"/>
+          </a:p>
+        </p:txBody>
+      </p:sp>
+      <p:sp>
+        <p:nvSpPr>
+          <p:cNvPr id="3" name="Rectangle 1">
+            <a:extLst>
+              <a:ext uri="{FF2B5EF4-FFF2-40B4-BE49-F238E27FC236}">
+                <a16:creationId xmlns:a16="http://schemas.microsoft.com/office/drawing/2014/main" id="{A282B7BC-979F-4B97-8DAC-B477F9A3C319}"/>
+              </a:ext>
+            </a:extLst>
+          </p:cNvPr>
+          <p:cNvSpPr>
+            <a:spLocks noGrp="1" noChangeArrowheads="1"/>
+          </p:cNvSpPr>
+          <p:nvPr>
+            <p:ph idx="1"/>
+          </p:nvPr>
+        </p:nvSpPr>
+        <p:spPr bwMode="auto">
+          <a:xfrm>
+            <a:off x="457200" y="1301857"/>
+            <a:ext cx="8229600" cy="5478423"/>
+          </a:xfrm>
+          <a:prstGeom prst="rect">
+            <a:avLst/>
+          </a:prstGeom>
+          <a:solidFill>
+            <a:srgbClr val="FFFFFF"/>
+          </a:solidFill>
+          <a:ln>
+            <a:noFill/>
+          </a:ln>
+          <a:effectLst/>
+          <a:extLst>
+            <a:ext uri="{91240B29-F687-4F45-9708-019B960494DF}">
+              <a14:hiddenLine xmlns:a14="http://schemas.microsoft.com/office/drawing/2010/main" w="9525">
+                <a:solidFill>
+                  <a:schemeClr val="tx1"/>
+                </a:solidFill>
+                <a:miter lim="800000"/>
+                <a:headEnd/>
+                <a:tailEnd/>
+              </a14:hiddenLine>
+            </a:ext>
+            <a:ext uri="{AF507438-7753-43E0-B8FC-AC1667EBCBE1}">
+              <a14:hiddenEffects xmlns:a14="http://schemas.microsoft.com/office/drawing/2010/main">
+                <a:effectLst>
+                  <a:outerShdw dist="35921" dir="2700000" algn="ctr" rotWithShape="0">
+                    <a:schemeClr val="bg2"/>
+                  </a:outerShdw>
+                </a:effectLst>
+              </a14:hiddenEffects>
+            </a:ext>
+          </a:extLst>
+        </p:spPr>
+        <p:txBody>
+          <a:bodyPr vert="horz" wrap="square" lIns="91440" tIns="45720" rIns="91440" bIns="45720" numCol="1" anchor="ctr" anchorCtr="0" compatLnSpc="1">
+            <a:prstTxWarp prst="textNoShape">
+              <a:avLst/>
+            </a:prstTxWarp>
+            <a:spAutoFit/>
+          </a:bodyPr>
+          <a:lstStyle/>
+          <a:p>
+            <a:pPr marL="0" marR="0" lvl="0" indent="0" algn="l" defTabSz="914400" rtl="0" eaLnBrk="0" fontAlgn="base" latinLnBrk="0" hangingPunct="0">
+              <a:lnSpc>
+                <a:spcPct val="100000"/>
+              </a:lnSpc>
+              <a:spcBef>
+                <a:spcPct val="0"/>
+              </a:spcBef>
+              <a:spcAft>
+                <a:spcPct val="0"/>
+              </a:spcAft>
+              <a:buClrTx/>
+              <a:buSzTx/>
+              <a:buFontTx/>
+              <a:buNone/>
+              <a:tabLst/>
+            </a:pPr>
+            <a:r>
+              <a:rPr kumimoji="0" lang="en-US" altLang="en-US" sz="1400" b="0" i="0" u="none" strike="noStrike" cap="none" normalizeH="0" baseline="0" dirty="0">
+                <a:ln>
+                  <a:noFill/>
+                </a:ln>
+                <a:solidFill>
+                  <a:srgbClr val="0033B3"/>
+                </a:solidFill>
+                <a:effectLst/>
+                <a:latin typeface="JetBrains Mono"/>
+              </a:rPr>
+              <a:t>package </a:t>
+            </a:r>
+            <a:r>
+              <a:rPr kumimoji="0" lang="en-US" altLang="en-US" sz="1400" b="0" i="0" u="none" strike="noStrike" cap="none" normalizeH="0" baseline="0" dirty="0" err="1">
+                <a:ln>
+                  <a:noFill/>
+                </a:ln>
+                <a:solidFill>
+                  <a:srgbClr val="000000"/>
+                </a:solidFill>
+                <a:effectLst/>
+                <a:latin typeface="JetBrains Mono"/>
+              </a:rPr>
+              <a:t>ee.bcs.valiit</a:t>
+            </a:r>
+            <a:r>
+              <a:rPr kumimoji="0" lang="en-US" altLang="en-US" sz="1400" b="0" i="0" u="none" strike="noStrike" cap="none" normalizeH="0" baseline="0" dirty="0">
+                <a:ln>
+                  <a:noFill/>
+                </a:ln>
+                <a:solidFill>
+                  <a:srgbClr val="080808"/>
+                </a:solidFill>
+                <a:effectLst/>
+                <a:latin typeface="JetBrains Mono"/>
+              </a:rPr>
+              <a:t>;</a:t>
+            </a:r>
+            <a:br>
+              <a:rPr kumimoji="0" lang="en-US" altLang="en-US" sz="1400" b="0" i="0" u="none" strike="noStrike" cap="none" normalizeH="0" baseline="0" dirty="0">
+                <a:ln>
+                  <a:noFill/>
+                </a:ln>
+                <a:solidFill>
+                  <a:srgbClr val="080808"/>
+                </a:solidFill>
+                <a:effectLst/>
+                <a:latin typeface="JetBrains Mono"/>
+              </a:rPr>
+            </a:br>
+            <a:br>
+              <a:rPr kumimoji="0" lang="en-US" altLang="en-US" sz="1400" b="0" i="0" u="none" strike="noStrike" cap="none" normalizeH="0" baseline="0" dirty="0">
+                <a:ln>
+                  <a:noFill/>
+                </a:ln>
+                <a:solidFill>
+                  <a:srgbClr val="080808"/>
+                </a:solidFill>
+                <a:effectLst/>
+                <a:latin typeface="JetBrains Mono"/>
+              </a:rPr>
+            </a:br>
+            <a:r>
+              <a:rPr kumimoji="0" lang="en-US" altLang="en-US" sz="1400" b="0" i="0" u="none" strike="noStrike" cap="none" normalizeH="0" baseline="0" dirty="0">
+                <a:ln>
+                  <a:noFill/>
+                </a:ln>
+                <a:solidFill>
+                  <a:srgbClr val="0033B3"/>
+                </a:solidFill>
+                <a:effectLst/>
+                <a:latin typeface="JetBrains Mono"/>
+              </a:rPr>
+              <a:t>import </a:t>
+            </a:r>
+            <a:r>
+              <a:rPr kumimoji="0" lang="en-US" altLang="en-US" sz="1400" b="0" i="0" u="none" strike="noStrike" cap="none" normalizeH="0" baseline="0" dirty="0" err="1">
+                <a:ln>
+                  <a:noFill/>
+                </a:ln>
+                <a:solidFill>
+                  <a:srgbClr val="000000"/>
+                </a:solidFill>
+                <a:effectLst/>
+                <a:latin typeface="JetBrains Mono"/>
+              </a:rPr>
+              <a:t>org.springframework.web.bind.annotation.</a:t>
+            </a:r>
+            <a:r>
+              <a:rPr kumimoji="0" lang="en-US" altLang="en-US" sz="1400" b="0" i="0" u="none" strike="noStrike" cap="none" normalizeH="0" baseline="0" dirty="0" err="1">
+                <a:ln>
+                  <a:noFill/>
+                </a:ln>
+                <a:solidFill>
+                  <a:srgbClr val="9E880D"/>
+                </a:solidFill>
+                <a:effectLst/>
+                <a:latin typeface="JetBrains Mono"/>
+              </a:rPr>
+              <a:t>GetMapping</a:t>
+            </a:r>
+            <a:r>
+              <a:rPr kumimoji="0" lang="en-US" altLang="en-US" sz="1400" b="0" i="0" u="none" strike="noStrike" cap="none" normalizeH="0" baseline="0" dirty="0">
+                <a:ln>
+                  <a:noFill/>
+                </a:ln>
+                <a:solidFill>
+                  <a:srgbClr val="080808"/>
+                </a:solidFill>
+                <a:effectLst/>
+                <a:latin typeface="JetBrains Mono"/>
+              </a:rPr>
+              <a:t>;</a:t>
+            </a:r>
+            <a:br>
+              <a:rPr kumimoji="0" lang="en-US" altLang="en-US" sz="1400" b="0" i="0" u="none" strike="noStrike" cap="none" normalizeH="0" baseline="0" dirty="0">
+                <a:ln>
+                  <a:noFill/>
+                </a:ln>
+                <a:solidFill>
+                  <a:srgbClr val="080808"/>
+                </a:solidFill>
+                <a:effectLst/>
+                <a:latin typeface="JetBrains Mono"/>
+              </a:rPr>
+            </a:br>
+            <a:r>
+              <a:rPr kumimoji="0" lang="en-US" altLang="en-US" sz="1400" b="0" i="0" u="none" strike="noStrike" cap="none" normalizeH="0" baseline="0" dirty="0">
+                <a:ln>
+                  <a:noFill/>
+                </a:ln>
+                <a:solidFill>
+                  <a:srgbClr val="0033B3"/>
+                </a:solidFill>
+                <a:effectLst/>
+                <a:latin typeface="JetBrains Mono"/>
+              </a:rPr>
+              <a:t>import </a:t>
+            </a:r>
+            <a:r>
+              <a:rPr kumimoji="0" lang="en-US" altLang="en-US" sz="1400" b="0" i="0" u="none" strike="noStrike" cap="none" normalizeH="0" baseline="0" dirty="0" err="1">
+                <a:ln>
+                  <a:noFill/>
+                </a:ln>
+                <a:solidFill>
+                  <a:srgbClr val="000000"/>
+                </a:solidFill>
+                <a:effectLst/>
+                <a:latin typeface="JetBrains Mono"/>
+              </a:rPr>
+              <a:t>org.springframework.web.bind.annotation.</a:t>
+            </a:r>
+            <a:r>
+              <a:rPr kumimoji="0" lang="en-US" altLang="en-US" sz="1400" b="0" i="0" u="none" strike="noStrike" cap="none" normalizeH="0" baseline="0" dirty="0" err="1">
+                <a:ln>
+                  <a:noFill/>
+                </a:ln>
+                <a:solidFill>
+                  <a:srgbClr val="9E880D"/>
+                </a:solidFill>
+                <a:effectLst/>
+                <a:latin typeface="JetBrains Mono"/>
+              </a:rPr>
+              <a:t>PathVariable</a:t>
+            </a:r>
+            <a:r>
+              <a:rPr kumimoji="0" lang="en-US" altLang="en-US" sz="1400" b="0" i="0" u="none" strike="noStrike" cap="none" normalizeH="0" baseline="0" dirty="0">
+                <a:ln>
+                  <a:noFill/>
+                </a:ln>
+                <a:solidFill>
+                  <a:srgbClr val="080808"/>
+                </a:solidFill>
+                <a:effectLst/>
+                <a:latin typeface="JetBrains Mono"/>
+              </a:rPr>
+              <a:t>;</a:t>
+            </a:r>
+            <a:br>
+              <a:rPr kumimoji="0" lang="en-US" altLang="en-US" sz="1400" b="0" i="0" u="none" strike="noStrike" cap="none" normalizeH="0" baseline="0" dirty="0">
+                <a:ln>
+                  <a:noFill/>
+                </a:ln>
+                <a:solidFill>
+                  <a:srgbClr val="080808"/>
+                </a:solidFill>
+                <a:effectLst/>
+                <a:latin typeface="JetBrains Mono"/>
+              </a:rPr>
+            </a:br>
+            <a:r>
+              <a:rPr kumimoji="0" lang="en-US" altLang="en-US" sz="1400" b="0" i="0" u="none" strike="noStrike" cap="none" normalizeH="0" baseline="0" dirty="0">
+                <a:ln>
+                  <a:noFill/>
+                </a:ln>
+                <a:solidFill>
+                  <a:srgbClr val="0033B3"/>
+                </a:solidFill>
+                <a:effectLst/>
+                <a:latin typeface="JetBrains Mono"/>
+              </a:rPr>
+              <a:t>import </a:t>
+            </a:r>
+            <a:r>
+              <a:rPr kumimoji="0" lang="en-US" altLang="en-US" sz="1400" b="0" i="0" u="none" strike="noStrike" cap="none" normalizeH="0" baseline="0" dirty="0" err="1">
+                <a:ln>
+                  <a:noFill/>
+                </a:ln>
+                <a:solidFill>
+                  <a:srgbClr val="000000"/>
+                </a:solidFill>
+                <a:effectLst/>
+                <a:latin typeface="JetBrains Mono"/>
+              </a:rPr>
+              <a:t>org.springframework.web.bind.annotation.</a:t>
+            </a:r>
+            <a:r>
+              <a:rPr kumimoji="0" lang="en-US" altLang="en-US" sz="1400" b="0" i="0" u="none" strike="noStrike" cap="none" normalizeH="0" baseline="0" dirty="0" err="1">
+                <a:ln>
+                  <a:noFill/>
+                </a:ln>
+                <a:solidFill>
+                  <a:srgbClr val="9E880D"/>
+                </a:solidFill>
+                <a:effectLst/>
+                <a:latin typeface="JetBrains Mono"/>
+              </a:rPr>
+              <a:t>PostMapping</a:t>
+            </a:r>
+            <a:r>
+              <a:rPr kumimoji="0" lang="en-US" altLang="en-US" sz="1400" b="0" i="0" u="none" strike="noStrike" cap="none" normalizeH="0" baseline="0" dirty="0">
+                <a:ln>
+                  <a:noFill/>
+                </a:ln>
+                <a:solidFill>
+                  <a:srgbClr val="080808"/>
+                </a:solidFill>
+                <a:effectLst/>
+                <a:latin typeface="JetBrains Mono"/>
+              </a:rPr>
+              <a:t>;</a:t>
+            </a:r>
+            <a:br>
+              <a:rPr kumimoji="0" lang="en-US" altLang="en-US" sz="1400" b="0" i="0" u="none" strike="noStrike" cap="none" normalizeH="0" baseline="0" dirty="0">
+                <a:ln>
+                  <a:noFill/>
+                </a:ln>
+                <a:solidFill>
+                  <a:srgbClr val="080808"/>
+                </a:solidFill>
+                <a:effectLst/>
+                <a:latin typeface="JetBrains Mono"/>
+              </a:rPr>
+            </a:br>
+            <a:r>
+              <a:rPr kumimoji="0" lang="en-US" altLang="en-US" sz="1400" b="0" i="0" u="none" strike="noStrike" cap="none" normalizeH="0" baseline="0" dirty="0">
+                <a:ln>
+                  <a:noFill/>
+                </a:ln>
+                <a:solidFill>
+                  <a:srgbClr val="0033B3"/>
+                </a:solidFill>
+                <a:effectLst/>
+                <a:latin typeface="JetBrains Mono"/>
+              </a:rPr>
+              <a:t>import </a:t>
+            </a:r>
+            <a:r>
+              <a:rPr kumimoji="0" lang="en-US" altLang="en-US" sz="1400" b="0" i="0" u="none" strike="noStrike" cap="none" normalizeH="0" baseline="0" dirty="0" err="1">
+                <a:ln>
+                  <a:noFill/>
+                </a:ln>
+                <a:solidFill>
+                  <a:srgbClr val="000000"/>
+                </a:solidFill>
+                <a:effectLst/>
+                <a:latin typeface="JetBrains Mono"/>
+              </a:rPr>
+              <a:t>java.util.ArrayList</a:t>
+            </a:r>
+            <a:r>
+              <a:rPr kumimoji="0" lang="en-US" altLang="en-US" sz="1400" b="0" i="0" u="none" strike="noStrike" cap="none" normalizeH="0" baseline="0" dirty="0">
+                <a:ln>
+                  <a:noFill/>
+                </a:ln>
+                <a:solidFill>
+                  <a:srgbClr val="080808"/>
+                </a:solidFill>
+                <a:effectLst/>
+                <a:latin typeface="JetBrains Mono"/>
+              </a:rPr>
+              <a:t>;</a:t>
+            </a:r>
+            <a:br>
+              <a:rPr kumimoji="0" lang="en-US" altLang="en-US" sz="1400" b="0" i="0" u="none" strike="noStrike" cap="none" normalizeH="0" baseline="0" dirty="0">
+                <a:ln>
+                  <a:noFill/>
+                </a:ln>
+                <a:solidFill>
+                  <a:srgbClr val="080808"/>
+                </a:solidFill>
+                <a:effectLst/>
+                <a:latin typeface="JetBrains Mono"/>
+              </a:rPr>
+            </a:br>
+            <a:r>
+              <a:rPr kumimoji="0" lang="en-US" altLang="en-US" sz="1400" b="0" i="0" u="none" strike="noStrike" cap="none" normalizeH="0" baseline="0" dirty="0">
+                <a:ln>
+                  <a:noFill/>
+                </a:ln>
+                <a:solidFill>
+                  <a:srgbClr val="0033B3"/>
+                </a:solidFill>
+                <a:effectLst/>
+                <a:latin typeface="JetBrains Mono"/>
+              </a:rPr>
+              <a:t>import </a:t>
+            </a:r>
+            <a:r>
+              <a:rPr kumimoji="0" lang="en-US" altLang="en-US" sz="1400" b="0" i="0" u="none" strike="noStrike" cap="none" normalizeH="0" baseline="0" dirty="0" err="1">
+                <a:ln>
+                  <a:noFill/>
+                </a:ln>
+                <a:solidFill>
+                  <a:srgbClr val="000000"/>
+                </a:solidFill>
+                <a:effectLst/>
+                <a:latin typeface="JetBrains Mono"/>
+              </a:rPr>
+              <a:t>java.util.List</a:t>
+            </a:r>
+            <a:r>
+              <a:rPr kumimoji="0" lang="en-US" altLang="en-US" sz="1400" b="0" i="0" u="none" strike="noStrike" cap="none" normalizeH="0" baseline="0" dirty="0">
+                <a:ln>
+                  <a:noFill/>
+                </a:ln>
+                <a:solidFill>
+                  <a:srgbClr val="080808"/>
+                </a:solidFill>
+                <a:effectLst/>
+                <a:latin typeface="JetBrains Mono"/>
+              </a:rPr>
+              <a:t>;</a:t>
+            </a:r>
+            <a:br>
+              <a:rPr kumimoji="0" lang="en-US" altLang="en-US" sz="1400" b="0" i="0" u="none" strike="noStrike" cap="none" normalizeH="0" baseline="0" dirty="0">
+                <a:ln>
+                  <a:noFill/>
+                </a:ln>
+                <a:solidFill>
+                  <a:srgbClr val="080808"/>
+                </a:solidFill>
+                <a:effectLst/>
+                <a:latin typeface="JetBrains Mono"/>
+              </a:rPr>
+            </a:br>
+            <a:br>
+              <a:rPr kumimoji="0" lang="en-US" altLang="en-US" sz="1400" b="0" i="0" u="none" strike="noStrike" cap="none" normalizeH="0" baseline="0" dirty="0">
+                <a:ln>
+                  <a:noFill/>
+                </a:ln>
+                <a:solidFill>
+                  <a:srgbClr val="080808"/>
+                </a:solidFill>
+                <a:effectLst/>
+                <a:latin typeface="JetBrains Mono"/>
+              </a:rPr>
+            </a:br>
+            <a:r>
+              <a:rPr kumimoji="0" lang="en-US" altLang="en-US" sz="1400" b="0" i="0" u="none" strike="noStrike" cap="none" normalizeH="0" baseline="0" dirty="0">
+                <a:ln>
+                  <a:noFill/>
+                </a:ln>
+                <a:solidFill>
+                  <a:srgbClr val="0033B3"/>
+                </a:solidFill>
+                <a:effectLst/>
+                <a:latin typeface="JetBrains Mono"/>
+              </a:rPr>
+              <a:t>public class </a:t>
+            </a:r>
+            <a:r>
+              <a:rPr kumimoji="0" lang="en-US" altLang="en-US" sz="1400" b="0" i="0" u="none" strike="noStrike" cap="none" normalizeH="0" baseline="0" dirty="0" err="1">
+                <a:ln>
+                  <a:noFill/>
+                </a:ln>
+                <a:solidFill>
+                  <a:srgbClr val="000000"/>
+                </a:solidFill>
+                <a:effectLst/>
+                <a:latin typeface="JetBrains Mono"/>
+              </a:rPr>
+              <a:t>EmployeeController</a:t>
+            </a:r>
+            <a:r>
+              <a:rPr kumimoji="0" lang="en-US" altLang="en-US" sz="1400" b="0" i="0" u="none" strike="noStrike" cap="none" normalizeH="0" baseline="0" dirty="0">
+                <a:ln>
+                  <a:noFill/>
+                </a:ln>
+                <a:solidFill>
+                  <a:srgbClr val="000000"/>
+                </a:solidFill>
+                <a:effectLst/>
+                <a:latin typeface="JetBrains Mono"/>
+              </a:rPr>
+              <a:t> </a:t>
+            </a:r>
+            <a:r>
+              <a:rPr kumimoji="0" lang="en-US" altLang="en-US" sz="1400" b="0" i="0" u="none" strike="noStrike" cap="none" normalizeH="0" baseline="0" dirty="0">
+                <a:ln>
+                  <a:noFill/>
+                </a:ln>
+                <a:solidFill>
+                  <a:srgbClr val="080808"/>
+                </a:solidFill>
+                <a:effectLst/>
+                <a:latin typeface="JetBrains Mono"/>
+              </a:rPr>
+              <a:t>{</a:t>
+            </a:r>
+            <a:br>
+              <a:rPr kumimoji="0" lang="en-US" altLang="en-US" sz="1400" b="0" i="0" u="none" strike="noStrike" cap="none" normalizeH="0" baseline="0" dirty="0">
+                <a:ln>
+                  <a:noFill/>
+                </a:ln>
+                <a:solidFill>
+                  <a:srgbClr val="080808"/>
+                </a:solidFill>
+                <a:effectLst/>
+                <a:latin typeface="JetBrains Mono"/>
+              </a:rPr>
+            </a:br>
+            <a:r>
+              <a:rPr kumimoji="0" lang="en-US" altLang="en-US" sz="1400" b="0" i="0" u="none" strike="noStrike" cap="none" normalizeH="0" baseline="0" dirty="0">
+                <a:ln>
+                  <a:noFill/>
+                </a:ln>
+                <a:solidFill>
+                  <a:srgbClr val="080808"/>
+                </a:solidFill>
+                <a:effectLst/>
+                <a:latin typeface="JetBrains Mono"/>
+              </a:rPr>
+              <a:t>    </a:t>
+            </a:r>
+            <a:r>
+              <a:rPr kumimoji="0" lang="en-US" altLang="en-US" sz="1400" b="0" i="0" u="none" strike="noStrike" cap="none" normalizeH="0" baseline="0" dirty="0">
+                <a:ln>
+                  <a:noFill/>
+                </a:ln>
+                <a:solidFill>
+                  <a:srgbClr val="0033B3"/>
+                </a:solidFill>
+                <a:effectLst/>
+                <a:latin typeface="JetBrains Mono"/>
+              </a:rPr>
+              <a:t>public </a:t>
+            </a:r>
+            <a:r>
+              <a:rPr kumimoji="0" lang="en-US" altLang="en-US" sz="1400" b="0" i="0" u="none" strike="noStrike" cap="none" normalizeH="0" baseline="0" dirty="0">
+                <a:ln>
+                  <a:noFill/>
+                </a:ln>
+                <a:solidFill>
+                  <a:srgbClr val="000000"/>
+                </a:solidFill>
+                <a:effectLst/>
+                <a:latin typeface="JetBrains Mono"/>
+              </a:rPr>
+              <a:t>List</a:t>
+            </a:r>
+            <a:r>
+              <a:rPr kumimoji="0" lang="en-US" altLang="en-US" sz="1400" b="0" i="0" u="none" strike="noStrike" cap="none" normalizeH="0" baseline="0" dirty="0">
+                <a:ln>
+                  <a:noFill/>
+                </a:ln>
+                <a:solidFill>
+                  <a:srgbClr val="080808"/>
+                </a:solidFill>
+                <a:effectLst/>
+                <a:latin typeface="JetBrains Mono"/>
+              </a:rPr>
+              <a:t>&lt;</a:t>
+            </a:r>
+            <a:r>
+              <a:rPr kumimoji="0" lang="en-US" altLang="en-US" sz="1400" b="0" i="0" u="none" strike="noStrike" cap="none" normalizeH="0" baseline="0" dirty="0">
+                <a:ln>
+                  <a:noFill/>
+                </a:ln>
+                <a:solidFill>
+                  <a:srgbClr val="000000"/>
+                </a:solidFill>
+                <a:effectLst/>
+                <a:latin typeface="JetBrains Mono"/>
+              </a:rPr>
+              <a:t>Employee</a:t>
+            </a:r>
+            <a:r>
+              <a:rPr kumimoji="0" lang="en-US" altLang="en-US" sz="1400" b="0" i="0" u="none" strike="noStrike" cap="none" normalizeH="0" baseline="0" dirty="0">
+                <a:ln>
+                  <a:noFill/>
+                </a:ln>
+                <a:solidFill>
+                  <a:srgbClr val="080808"/>
+                </a:solidFill>
+                <a:effectLst/>
+                <a:latin typeface="JetBrains Mono"/>
+              </a:rPr>
+              <a:t>&gt; </a:t>
+            </a:r>
+            <a:r>
+              <a:rPr kumimoji="0" lang="en-US" altLang="en-US" sz="1400" b="0" i="0" u="none" strike="noStrike" cap="none" normalizeH="0" baseline="0" dirty="0" err="1">
+                <a:ln>
+                  <a:noFill/>
+                </a:ln>
+                <a:solidFill>
+                  <a:srgbClr val="871094"/>
+                </a:solidFill>
+                <a:effectLst/>
+                <a:latin typeface="JetBrains Mono"/>
+              </a:rPr>
+              <a:t>employeeList</a:t>
+            </a:r>
+            <a:r>
+              <a:rPr kumimoji="0" lang="en-US" altLang="en-US" sz="1400" b="0" i="0" u="none" strike="noStrike" cap="none" normalizeH="0" baseline="0" dirty="0">
+                <a:ln>
+                  <a:noFill/>
+                </a:ln>
+                <a:solidFill>
+                  <a:srgbClr val="871094"/>
+                </a:solidFill>
+                <a:effectLst/>
+                <a:latin typeface="JetBrains Mono"/>
+              </a:rPr>
+              <a:t> </a:t>
+            </a:r>
+            <a:r>
+              <a:rPr kumimoji="0" lang="en-US" altLang="en-US" sz="1400" b="0" i="0" u="none" strike="noStrike" cap="none" normalizeH="0" baseline="0" dirty="0">
+                <a:ln>
+                  <a:noFill/>
+                </a:ln>
+                <a:solidFill>
+                  <a:srgbClr val="080808"/>
+                </a:solidFill>
+                <a:effectLst/>
+                <a:latin typeface="JetBrains Mono"/>
+              </a:rPr>
+              <a:t>= </a:t>
+            </a:r>
+            <a:r>
+              <a:rPr kumimoji="0" lang="en-US" altLang="en-US" sz="1400" b="0" i="0" u="none" strike="noStrike" cap="none" normalizeH="0" baseline="0" dirty="0">
+                <a:ln>
+                  <a:noFill/>
+                </a:ln>
+                <a:solidFill>
+                  <a:srgbClr val="0033B3"/>
+                </a:solidFill>
+                <a:effectLst/>
+                <a:latin typeface="JetBrains Mono"/>
+              </a:rPr>
+              <a:t>new </a:t>
+            </a:r>
+            <a:r>
+              <a:rPr kumimoji="0" lang="en-US" altLang="en-US" sz="1400" b="0" i="0" u="none" strike="noStrike" cap="none" normalizeH="0" baseline="0" dirty="0" err="1">
+                <a:ln>
+                  <a:noFill/>
+                </a:ln>
+                <a:solidFill>
+                  <a:srgbClr val="080808"/>
+                </a:solidFill>
+                <a:effectLst/>
+                <a:latin typeface="JetBrains Mono"/>
+              </a:rPr>
+              <a:t>ArrayList</a:t>
+            </a:r>
+            <a:r>
+              <a:rPr kumimoji="0" lang="en-US" altLang="en-US" sz="1400" b="0" i="0" u="none" strike="noStrike" cap="none" normalizeH="0" baseline="0" dirty="0">
+                <a:ln>
+                  <a:noFill/>
+                </a:ln>
+                <a:solidFill>
+                  <a:srgbClr val="080808"/>
+                </a:solidFill>
+                <a:effectLst/>
+                <a:latin typeface="JetBrains Mono"/>
+              </a:rPr>
+              <a:t>&lt;&gt;();</a:t>
+            </a:r>
+            <a:br>
+              <a:rPr kumimoji="0" lang="en-US" altLang="en-US" sz="1400" b="0" i="0" u="none" strike="noStrike" cap="none" normalizeH="0" baseline="0" dirty="0">
+                <a:ln>
+                  <a:noFill/>
+                </a:ln>
+                <a:solidFill>
+                  <a:srgbClr val="080808"/>
+                </a:solidFill>
+                <a:effectLst/>
+                <a:latin typeface="JetBrains Mono"/>
+              </a:rPr>
+            </a:br>
+            <a:br>
+              <a:rPr kumimoji="0" lang="en-US" altLang="en-US" sz="1400" b="0" i="0" u="none" strike="noStrike" cap="none" normalizeH="0" baseline="0" dirty="0">
+                <a:ln>
+                  <a:noFill/>
+                </a:ln>
+                <a:solidFill>
+                  <a:srgbClr val="080808"/>
+                </a:solidFill>
+                <a:effectLst/>
+                <a:latin typeface="JetBrains Mono"/>
+              </a:rPr>
+            </a:br>
+            <a:r>
+              <a:rPr kumimoji="0" lang="en-US" altLang="en-US" sz="1400" b="0" i="0" u="none" strike="noStrike" cap="none" normalizeH="0" baseline="0" dirty="0">
+                <a:ln>
+                  <a:noFill/>
+                </a:ln>
+                <a:solidFill>
+                  <a:srgbClr val="080808"/>
+                </a:solidFill>
+                <a:effectLst/>
+                <a:latin typeface="JetBrains Mono"/>
+              </a:rPr>
+              <a:t>    </a:t>
+            </a:r>
+            <a:r>
+              <a:rPr kumimoji="0" lang="en-US" altLang="en-US" sz="1400" b="0" i="0" u="none" strike="noStrike" cap="none" normalizeH="0" baseline="0" dirty="0">
+                <a:ln>
+                  <a:noFill/>
+                </a:ln>
+                <a:solidFill>
+                  <a:srgbClr val="9E880D"/>
+                </a:solidFill>
+                <a:effectLst/>
+                <a:latin typeface="JetBrains Mono"/>
+              </a:rPr>
+              <a:t>@GetMapping</a:t>
+            </a:r>
+            <a:r>
+              <a:rPr kumimoji="0" lang="en-US" altLang="en-US" sz="1400" b="0" i="0" u="none" strike="noStrike" cap="none" normalizeH="0" baseline="0" dirty="0">
+                <a:ln>
+                  <a:noFill/>
+                </a:ln>
+                <a:solidFill>
+                  <a:srgbClr val="080808"/>
+                </a:solidFill>
+                <a:effectLst/>
+                <a:latin typeface="JetBrains Mono"/>
+              </a:rPr>
+              <a:t>(</a:t>
+            </a:r>
+            <a:r>
+              <a:rPr kumimoji="0" lang="en-US" altLang="en-US" sz="1400" b="0" i="0" u="none" strike="noStrike" cap="none" normalizeH="0" baseline="0" dirty="0">
+                <a:ln>
+                  <a:noFill/>
+                </a:ln>
+                <a:solidFill>
+                  <a:srgbClr val="067D17"/>
+                </a:solidFill>
+                <a:effectLst/>
+                <a:latin typeface="JetBrains Mono"/>
+              </a:rPr>
+              <a:t>"employee"</a:t>
+            </a:r>
+            <a:r>
+              <a:rPr kumimoji="0" lang="en-US" altLang="en-US" sz="1400" b="0" i="0" u="none" strike="noStrike" cap="none" normalizeH="0" baseline="0" dirty="0">
+                <a:ln>
+                  <a:noFill/>
+                </a:ln>
+                <a:solidFill>
+                  <a:srgbClr val="080808"/>
+                </a:solidFill>
+                <a:effectLst/>
+                <a:latin typeface="JetBrains Mono"/>
+              </a:rPr>
+              <a:t>)</a:t>
+            </a:r>
+            <a:br>
+              <a:rPr kumimoji="0" lang="en-US" altLang="en-US" sz="1400" b="0" i="0" u="none" strike="noStrike" cap="none" normalizeH="0" baseline="0" dirty="0">
+                <a:ln>
+                  <a:noFill/>
+                </a:ln>
+                <a:solidFill>
+                  <a:srgbClr val="080808"/>
+                </a:solidFill>
+                <a:effectLst/>
+                <a:latin typeface="JetBrains Mono"/>
+              </a:rPr>
+            </a:br>
+            <a:r>
+              <a:rPr kumimoji="0" lang="en-US" altLang="en-US" sz="1400" b="0" i="0" u="none" strike="noStrike" cap="none" normalizeH="0" baseline="0" dirty="0">
+                <a:ln>
+                  <a:noFill/>
+                </a:ln>
+                <a:solidFill>
+                  <a:srgbClr val="080808"/>
+                </a:solidFill>
+                <a:effectLst/>
+                <a:latin typeface="JetBrains Mono"/>
+              </a:rPr>
+              <a:t>    </a:t>
+            </a:r>
+            <a:r>
+              <a:rPr kumimoji="0" lang="en-US" altLang="en-US" sz="1400" b="0" i="0" u="none" strike="noStrike" cap="none" normalizeH="0" baseline="0" dirty="0">
+                <a:ln>
+                  <a:noFill/>
+                </a:ln>
+                <a:solidFill>
+                  <a:srgbClr val="0033B3"/>
+                </a:solidFill>
+                <a:effectLst/>
+                <a:latin typeface="JetBrains Mono"/>
+              </a:rPr>
+              <a:t>public </a:t>
+            </a:r>
+            <a:r>
+              <a:rPr kumimoji="0" lang="en-US" altLang="en-US" sz="1400" b="0" i="0" u="none" strike="noStrike" cap="none" normalizeH="0" baseline="0" dirty="0">
+                <a:ln>
+                  <a:noFill/>
+                </a:ln>
+                <a:solidFill>
+                  <a:srgbClr val="000000"/>
+                </a:solidFill>
+                <a:effectLst/>
+                <a:latin typeface="JetBrains Mono"/>
+              </a:rPr>
+              <a:t>List</a:t>
+            </a:r>
+            <a:r>
+              <a:rPr kumimoji="0" lang="en-US" altLang="en-US" sz="1400" b="0" i="0" u="none" strike="noStrike" cap="none" normalizeH="0" baseline="0" dirty="0">
+                <a:ln>
+                  <a:noFill/>
+                </a:ln>
+                <a:solidFill>
+                  <a:srgbClr val="080808"/>
+                </a:solidFill>
+                <a:effectLst/>
+                <a:latin typeface="JetBrains Mono"/>
+              </a:rPr>
+              <a:t>&lt;</a:t>
+            </a:r>
+            <a:r>
+              <a:rPr kumimoji="0" lang="en-US" altLang="en-US" sz="1400" b="0" i="0" u="none" strike="noStrike" cap="none" normalizeH="0" baseline="0" dirty="0">
+                <a:ln>
+                  <a:noFill/>
+                </a:ln>
+                <a:solidFill>
+                  <a:srgbClr val="000000"/>
+                </a:solidFill>
+                <a:effectLst/>
+                <a:latin typeface="JetBrains Mono"/>
+              </a:rPr>
+              <a:t>Employee</a:t>
+            </a:r>
+            <a:r>
+              <a:rPr kumimoji="0" lang="en-US" altLang="en-US" sz="1400" b="0" i="0" u="none" strike="noStrike" cap="none" normalizeH="0" baseline="0" dirty="0">
+                <a:ln>
+                  <a:noFill/>
+                </a:ln>
+                <a:solidFill>
+                  <a:srgbClr val="080808"/>
+                </a:solidFill>
+                <a:effectLst/>
+                <a:latin typeface="JetBrains Mono"/>
+              </a:rPr>
+              <a:t>&gt; </a:t>
+            </a:r>
+            <a:r>
+              <a:rPr kumimoji="0" lang="en-US" altLang="en-US" sz="1400" b="0" i="0" u="none" strike="noStrike" cap="none" normalizeH="0" baseline="0" dirty="0" err="1">
+                <a:ln>
+                  <a:noFill/>
+                </a:ln>
+                <a:solidFill>
+                  <a:srgbClr val="00627A"/>
+                </a:solidFill>
+                <a:effectLst/>
+                <a:latin typeface="JetBrains Mono"/>
+              </a:rPr>
+              <a:t>getEmployeeList</a:t>
+            </a:r>
+            <a:r>
+              <a:rPr kumimoji="0" lang="en-US" altLang="en-US" sz="1400" b="0" i="0" u="none" strike="noStrike" cap="none" normalizeH="0" baseline="0" dirty="0">
+                <a:ln>
+                  <a:noFill/>
+                </a:ln>
+                <a:solidFill>
+                  <a:srgbClr val="080808"/>
+                </a:solidFill>
+                <a:effectLst/>
+                <a:latin typeface="JetBrains Mono"/>
+              </a:rPr>
+              <a:t>() {</a:t>
+            </a:r>
+            <a:br>
+              <a:rPr kumimoji="0" lang="en-US" altLang="en-US" sz="1400" b="0" i="0" u="none" strike="noStrike" cap="none" normalizeH="0" baseline="0" dirty="0">
+                <a:ln>
+                  <a:noFill/>
+                </a:ln>
+                <a:solidFill>
+                  <a:srgbClr val="080808"/>
+                </a:solidFill>
+                <a:effectLst/>
+                <a:latin typeface="JetBrains Mono"/>
+              </a:rPr>
+            </a:br>
+            <a:r>
+              <a:rPr kumimoji="0" lang="en-US" altLang="en-US" sz="1400" b="0" i="0" u="none" strike="noStrike" cap="none" normalizeH="0" baseline="0" dirty="0">
+                <a:ln>
+                  <a:noFill/>
+                </a:ln>
+                <a:solidFill>
+                  <a:srgbClr val="080808"/>
+                </a:solidFill>
+                <a:effectLst/>
+                <a:latin typeface="JetBrains Mono"/>
+              </a:rPr>
+              <a:t>        </a:t>
+            </a:r>
+            <a:r>
+              <a:rPr kumimoji="0" lang="en-US" altLang="en-US" sz="1400" b="0" i="0" u="none" strike="noStrike" cap="none" normalizeH="0" baseline="0" dirty="0">
+                <a:ln>
+                  <a:noFill/>
+                </a:ln>
+                <a:solidFill>
+                  <a:srgbClr val="0033B3"/>
+                </a:solidFill>
+                <a:effectLst/>
+                <a:latin typeface="JetBrains Mono"/>
+              </a:rPr>
+              <a:t>return </a:t>
+            </a:r>
+            <a:r>
+              <a:rPr kumimoji="0" lang="en-US" altLang="en-US" sz="1400" b="0" i="0" u="none" strike="noStrike" cap="none" normalizeH="0" baseline="0" dirty="0" err="1">
+                <a:ln>
+                  <a:noFill/>
+                </a:ln>
+                <a:solidFill>
+                  <a:srgbClr val="871094"/>
+                </a:solidFill>
+                <a:effectLst/>
+                <a:latin typeface="JetBrains Mono"/>
+              </a:rPr>
+              <a:t>employeeList</a:t>
+            </a:r>
+            <a:r>
+              <a:rPr kumimoji="0" lang="en-US" altLang="en-US" sz="1400" b="0" i="0" u="none" strike="noStrike" cap="none" normalizeH="0" baseline="0" dirty="0">
+                <a:ln>
+                  <a:noFill/>
+                </a:ln>
+                <a:solidFill>
+                  <a:srgbClr val="080808"/>
+                </a:solidFill>
+                <a:effectLst/>
+                <a:latin typeface="JetBrains Mono"/>
+              </a:rPr>
+              <a:t>;</a:t>
+            </a:r>
+            <a:br>
+              <a:rPr kumimoji="0" lang="en-US" altLang="en-US" sz="1400" b="0" i="0" u="none" strike="noStrike" cap="none" normalizeH="0" baseline="0" dirty="0">
+                <a:ln>
+                  <a:noFill/>
+                </a:ln>
+                <a:solidFill>
+                  <a:srgbClr val="080808"/>
+                </a:solidFill>
+                <a:effectLst/>
+                <a:latin typeface="JetBrains Mono"/>
+              </a:rPr>
+            </a:br>
+            <a:r>
+              <a:rPr kumimoji="0" lang="en-US" altLang="en-US" sz="1400" b="0" i="0" u="none" strike="noStrike" cap="none" normalizeH="0" baseline="0" dirty="0">
+                <a:ln>
+                  <a:noFill/>
+                </a:ln>
+                <a:solidFill>
+                  <a:srgbClr val="080808"/>
+                </a:solidFill>
+                <a:effectLst/>
+                <a:latin typeface="JetBrains Mono"/>
+              </a:rPr>
+              <a:t>    }</a:t>
+            </a:r>
+            <a:br>
+              <a:rPr kumimoji="0" lang="en-US" altLang="en-US" sz="1400" b="0" i="0" u="none" strike="noStrike" cap="none" normalizeH="0" baseline="0" dirty="0">
+                <a:ln>
+                  <a:noFill/>
+                </a:ln>
+                <a:solidFill>
+                  <a:srgbClr val="080808"/>
+                </a:solidFill>
+                <a:effectLst/>
+                <a:latin typeface="JetBrains Mono"/>
+              </a:rPr>
+            </a:br>
+            <a:r>
+              <a:rPr kumimoji="0" lang="en-US" altLang="en-US" sz="1400" b="0" i="0" u="none" strike="noStrike" cap="none" normalizeH="0" baseline="0" dirty="0">
+                <a:ln>
+                  <a:noFill/>
+                </a:ln>
+                <a:solidFill>
+                  <a:srgbClr val="080808"/>
+                </a:solidFill>
+                <a:effectLst/>
+                <a:latin typeface="JetBrains Mono"/>
+              </a:rPr>
+              <a:t>    </a:t>
+            </a:r>
+            <a:r>
+              <a:rPr kumimoji="0" lang="en-US" altLang="en-US" sz="1400" b="0" i="0" u="none" strike="noStrike" cap="none" normalizeH="0" baseline="0" dirty="0">
+                <a:ln>
+                  <a:noFill/>
+                </a:ln>
+                <a:solidFill>
+                  <a:srgbClr val="9E880D"/>
+                </a:solidFill>
+                <a:effectLst/>
+                <a:latin typeface="JetBrains Mono"/>
+              </a:rPr>
+              <a:t>@PostMapping</a:t>
+            </a:r>
+            <a:r>
+              <a:rPr kumimoji="0" lang="en-US" altLang="en-US" sz="1400" b="0" i="0" u="none" strike="noStrike" cap="none" normalizeH="0" baseline="0" dirty="0">
+                <a:ln>
+                  <a:noFill/>
+                </a:ln>
+                <a:solidFill>
+                  <a:srgbClr val="080808"/>
+                </a:solidFill>
+                <a:effectLst/>
+                <a:latin typeface="JetBrains Mono"/>
+              </a:rPr>
+              <a:t>(</a:t>
+            </a:r>
+            <a:r>
+              <a:rPr kumimoji="0" lang="en-US" altLang="en-US" sz="1400" b="0" i="0" u="none" strike="noStrike" cap="none" normalizeH="0" baseline="0" dirty="0">
+                <a:ln>
+                  <a:noFill/>
+                </a:ln>
+                <a:solidFill>
+                  <a:srgbClr val="067D17"/>
+                </a:solidFill>
+                <a:effectLst/>
+                <a:latin typeface="JetBrains Mono"/>
+              </a:rPr>
+              <a:t>"employee"</a:t>
+            </a:r>
+            <a:r>
+              <a:rPr kumimoji="0" lang="en-US" altLang="en-US" sz="1400" b="0" i="0" u="none" strike="noStrike" cap="none" normalizeH="0" baseline="0" dirty="0">
+                <a:ln>
+                  <a:noFill/>
+                </a:ln>
+                <a:solidFill>
+                  <a:srgbClr val="080808"/>
+                </a:solidFill>
+                <a:effectLst/>
+                <a:latin typeface="JetBrains Mono"/>
+              </a:rPr>
+              <a:t>)</a:t>
+            </a:r>
+            <a:br>
+              <a:rPr kumimoji="0" lang="en-US" altLang="en-US" sz="1400" b="0" i="0" u="none" strike="noStrike" cap="none" normalizeH="0" baseline="0" dirty="0">
+                <a:ln>
+                  <a:noFill/>
+                </a:ln>
+                <a:solidFill>
+                  <a:srgbClr val="080808"/>
+                </a:solidFill>
+                <a:effectLst/>
+                <a:latin typeface="JetBrains Mono"/>
+              </a:rPr>
+            </a:br>
+            <a:r>
+              <a:rPr kumimoji="0" lang="en-US" altLang="en-US" sz="1400" b="0" i="0" u="none" strike="noStrike" cap="none" normalizeH="0" baseline="0" dirty="0">
+                <a:ln>
+                  <a:noFill/>
+                </a:ln>
+                <a:solidFill>
+                  <a:srgbClr val="080808"/>
+                </a:solidFill>
+                <a:effectLst/>
+                <a:latin typeface="JetBrains Mono"/>
+              </a:rPr>
+              <a:t>    </a:t>
+            </a:r>
+            <a:r>
+              <a:rPr kumimoji="0" lang="en-US" altLang="en-US" sz="1400" b="0" i="0" u="none" strike="noStrike" cap="none" normalizeH="0" baseline="0" dirty="0">
+                <a:ln>
+                  <a:noFill/>
+                </a:ln>
+                <a:solidFill>
+                  <a:srgbClr val="0033B3"/>
+                </a:solidFill>
+                <a:effectLst/>
+                <a:latin typeface="JetBrains Mono"/>
+              </a:rPr>
+              <a:t>public void </a:t>
+            </a:r>
+            <a:r>
+              <a:rPr kumimoji="0" lang="en-US" altLang="en-US" sz="1400" b="0" i="0" u="none" strike="noStrike" cap="none" normalizeH="0" baseline="0" dirty="0" err="1">
+                <a:ln>
+                  <a:noFill/>
+                </a:ln>
+                <a:solidFill>
+                  <a:srgbClr val="00627A"/>
+                </a:solidFill>
+                <a:effectLst/>
+                <a:latin typeface="JetBrains Mono"/>
+              </a:rPr>
+              <a:t>addEmployee</a:t>
+            </a:r>
+            <a:r>
+              <a:rPr kumimoji="0" lang="en-US" altLang="en-US" sz="1400" b="0" i="0" u="none" strike="noStrike" cap="none" normalizeH="0" baseline="0" dirty="0">
+                <a:ln>
+                  <a:noFill/>
+                </a:ln>
+                <a:solidFill>
+                  <a:srgbClr val="080808"/>
+                </a:solidFill>
+                <a:effectLst/>
+                <a:latin typeface="JetBrains Mono"/>
+              </a:rPr>
+              <a:t>(</a:t>
+            </a:r>
+            <a:r>
+              <a:rPr kumimoji="0" lang="en-US" altLang="en-US" sz="1400" b="0" i="0" u="none" strike="noStrike" cap="none" normalizeH="0" baseline="0" dirty="0">
+                <a:ln>
+                  <a:noFill/>
+                </a:ln>
+                <a:solidFill>
+                  <a:srgbClr val="000000"/>
+                </a:solidFill>
+                <a:effectLst/>
+                <a:latin typeface="JetBrains Mono"/>
+              </a:rPr>
+              <a:t>Employee </a:t>
+            </a:r>
+            <a:r>
+              <a:rPr kumimoji="0" lang="en-US" altLang="en-US" sz="1400" b="0" i="0" u="none" strike="noStrike" cap="none" normalizeH="0" baseline="0" dirty="0">
+                <a:ln>
+                  <a:noFill/>
+                </a:ln>
+                <a:solidFill>
+                  <a:srgbClr val="080808"/>
+                </a:solidFill>
+                <a:effectLst/>
+                <a:latin typeface="JetBrains Mono"/>
+              </a:rPr>
+              <a:t>employee) {</a:t>
+            </a:r>
+            <a:br>
+              <a:rPr kumimoji="0" lang="en-US" altLang="en-US" sz="1400" b="0" i="0" u="none" strike="noStrike" cap="none" normalizeH="0" baseline="0" dirty="0">
+                <a:ln>
+                  <a:noFill/>
+                </a:ln>
+                <a:solidFill>
+                  <a:srgbClr val="080808"/>
+                </a:solidFill>
+                <a:effectLst/>
+                <a:latin typeface="JetBrains Mono"/>
+              </a:rPr>
+            </a:br>
+            <a:r>
+              <a:rPr kumimoji="0" lang="en-US" altLang="en-US" sz="1400" b="0" i="0" u="none" strike="noStrike" cap="none" normalizeH="0" baseline="0" dirty="0">
+                <a:ln>
+                  <a:noFill/>
+                </a:ln>
+                <a:solidFill>
+                  <a:srgbClr val="080808"/>
+                </a:solidFill>
+                <a:effectLst/>
+                <a:latin typeface="JetBrains Mono"/>
+              </a:rPr>
+              <a:t>        </a:t>
+            </a:r>
+            <a:r>
+              <a:rPr kumimoji="0" lang="en-US" altLang="en-US" sz="1400" b="0" i="0" u="none" strike="noStrike" cap="none" normalizeH="0" baseline="0" dirty="0" err="1">
+                <a:ln>
+                  <a:noFill/>
+                </a:ln>
+                <a:solidFill>
+                  <a:srgbClr val="871094"/>
+                </a:solidFill>
+                <a:effectLst/>
+                <a:latin typeface="JetBrains Mono"/>
+              </a:rPr>
+              <a:t>employeeList</a:t>
+            </a:r>
+            <a:r>
+              <a:rPr kumimoji="0" lang="en-US" altLang="en-US" sz="1400" b="0" i="0" u="none" strike="noStrike" cap="none" normalizeH="0" baseline="0" dirty="0">
+                <a:ln>
+                  <a:noFill/>
+                </a:ln>
+                <a:solidFill>
+                  <a:srgbClr val="080808"/>
+                </a:solidFill>
+                <a:effectLst/>
+                <a:latin typeface="JetBrains Mono"/>
+              </a:rPr>
+              <a:t>.</a:t>
+            </a:r>
+            <a:r>
+              <a:rPr kumimoji="0" lang="et-EE" altLang="en-US" sz="1400" b="0" i="0" u="none" strike="noStrike" cap="none" normalizeH="0" baseline="0" dirty="0" err="1">
+                <a:ln>
+                  <a:noFill/>
+                </a:ln>
+                <a:solidFill>
+                  <a:srgbClr val="080808"/>
+                </a:solidFill>
+                <a:effectLst/>
+                <a:latin typeface="JetBrains Mono"/>
+              </a:rPr>
+              <a:t>put</a:t>
+            </a:r>
+            <a:r>
+              <a:rPr kumimoji="0" lang="en-US" altLang="en-US" sz="1400" b="0" i="0" u="none" strike="noStrike" cap="none" normalizeH="0" baseline="0" dirty="0">
+                <a:ln>
+                  <a:noFill/>
+                </a:ln>
+                <a:solidFill>
+                  <a:srgbClr val="080808"/>
+                </a:solidFill>
+                <a:effectLst/>
+                <a:latin typeface="JetBrains Mono"/>
+              </a:rPr>
+              <a:t>(employee);</a:t>
+            </a:r>
+            <a:br>
+              <a:rPr kumimoji="0" lang="en-US" altLang="en-US" sz="1400" b="0" i="0" u="none" strike="noStrike" cap="none" normalizeH="0" baseline="0" dirty="0">
+                <a:ln>
+                  <a:noFill/>
+                </a:ln>
+                <a:solidFill>
+                  <a:srgbClr val="080808"/>
+                </a:solidFill>
+                <a:effectLst/>
+                <a:latin typeface="JetBrains Mono"/>
+              </a:rPr>
+            </a:br>
+            <a:r>
+              <a:rPr kumimoji="0" lang="en-US" altLang="en-US" sz="1400" b="0" i="0" u="none" strike="noStrike" cap="none" normalizeH="0" baseline="0" dirty="0">
+                <a:ln>
+                  <a:noFill/>
+                </a:ln>
+                <a:solidFill>
+                  <a:srgbClr val="080808"/>
+                </a:solidFill>
+                <a:effectLst/>
+                <a:latin typeface="JetBrains Mono"/>
+              </a:rPr>
+              <a:t>    }</a:t>
+            </a:r>
+            <a:br>
+              <a:rPr kumimoji="0" lang="en-US" altLang="en-US" sz="1400" b="0" i="0" u="none" strike="noStrike" cap="none" normalizeH="0" baseline="0" dirty="0">
+                <a:ln>
+                  <a:noFill/>
+                </a:ln>
+                <a:solidFill>
+                  <a:srgbClr val="080808"/>
+                </a:solidFill>
+                <a:effectLst/>
+                <a:latin typeface="JetBrains Mono"/>
+              </a:rPr>
+            </a:br>
+            <a:r>
+              <a:rPr kumimoji="0" lang="en-US" altLang="en-US" sz="1400" b="0" i="0" u="none" strike="noStrike" cap="none" normalizeH="0" baseline="0" dirty="0">
+                <a:ln>
+                  <a:noFill/>
+                </a:ln>
+                <a:solidFill>
+                  <a:srgbClr val="080808"/>
+                </a:solidFill>
+                <a:effectLst/>
+                <a:latin typeface="JetBrains Mono"/>
+              </a:rPr>
+              <a:t>    </a:t>
+            </a:r>
+            <a:r>
+              <a:rPr kumimoji="0" lang="en-US" altLang="en-US" sz="1400" b="0" i="0" u="none" strike="noStrike" cap="none" normalizeH="0" baseline="0" dirty="0">
+                <a:ln>
+                  <a:noFill/>
+                </a:ln>
+                <a:solidFill>
+                  <a:srgbClr val="9E880D"/>
+                </a:solidFill>
+                <a:effectLst/>
+                <a:latin typeface="JetBrains Mono"/>
+              </a:rPr>
+              <a:t>@GetMapping</a:t>
+            </a:r>
+            <a:r>
+              <a:rPr kumimoji="0" lang="en-US" altLang="en-US" sz="1400" b="0" i="0" u="none" strike="noStrike" cap="none" normalizeH="0" baseline="0" dirty="0">
+                <a:ln>
+                  <a:noFill/>
+                </a:ln>
+                <a:solidFill>
+                  <a:srgbClr val="080808"/>
+                </a:solidFill>
+                <a:effectLst/>
+                <a:latin typeface="JetBrains Mono"/>
+              </a:rPr>
+              <a:t>(</a:t>
+            </a:r>
+            <a:r>
+              <a:rPr kumimoji="0" lang="en-US" altLang="en-US" sz="1400" b="0" i="0" u="none" strike="noStrike" cap="none" normalizeH="0" baseline="0" dirty="0">
+                <a:ln>
+                  <a:noFill/>
+                </a:ln>
+                <a:solidFill>
+                  <a:srgbClr val="067D17"/>
+                </a:solidFill>
+                <a:effectLst/>
+                <a:latin typeface="JetBrains Mono"/>
+              </a:rPr>
+              <a:t>"employee/{id}"</a:t>
+            </a:r>
+            <a:r>
+              <a:rPr kumimoji="0" lang="en-US" altLang="en-US" sz="1400" b="0" i="0" u="none" strike="noStrike" cap="none" normalizeH="0" baseline="0" dirty="0">
+                <a:ln>
+                  <a:noFill/>
+                </a:ln>
+                <a:solidFill>
+                  <a:srgbClr val="080808"/>
+                </a:solidFill>
+                <a:effectLst/>
+                <a:latin typeface="JetBrains Mono"/>
+              </a:rPr>
+              <a:t>)</a:t>
+            </a:r>
+            <a:br>
+              <a:rPr kumimoji="0" lang="en-US" altLang="en-US" sz="1400" b="0" i="0" u="none" strike="noStrike" cap="none" normalizeH="0" baseline="0" dirty="0">
+                <a:ln>
+                  <a:noFill/>
+                </a:ln>
+                <a:solidFill>
+                  <a:srgbClr val="080808"/>
+                </a:solidFill>
+                <a:effectLst/>
+                <a:latin typeface="JetBrains Mono"/>
+              </a:rPr>
+            </a:br>
+            <a:r>
+              <a:rPr kumimoji="0" lang="en-US" altLang="en-US" sz="1400" b="0" i="0" u="none" strike="noStrike" cap="none" normalizeH="0" baseline="0" dirty="0">
+                <a:ln>
+                  <a:noFill/>
+                </a:ln>
+                <a:solidFill>
+                  <a:srgbClr val="080808"/>
+                </a:solidFill>
+                <a:effectLst/>
+                <a:latin typeface="JetBrains Mono"/>
+              </a:rPr>
+              <a:t>    </a:t>
+            </a:r>
+            <a:r>
+              <a:rPr kumimoji="0" lang="en-US" altLang="en-US" sz="1400" b="0" i="0" u="none" strike="noStrike" cap="none" normalizeH="0" baseline="0" dirty="0">
+                <a:ln>
+                  <a:noFill/>
+                </a:ln>
+                <a:solidFill>
+                  <a:srgbClr val="0033B3"/>
+                </a:solidFill>
+                <a:effectLst/>
+                <a:latin typeface="JetBrains Mono"/>
+              </a:rPr>
+              <a:t>public </a:t>
+            </a:r>
+            <a:r>
+              <a:rPr kumimoji="0" lang="en-US" altLang="en-US" sz="1400" b="0" i="0" u="none" strike="noStrike" cap="none" normalizeH="0" baseline="0" dirty="0">
+                <a:ln>
+                  <a:noFill/>
+                </a:ln>
+                <a:solidFill>
+                  <a:srgbClr val="000000"/>
+                </a:solidFill>
+                <a:effectLst/>
+                <a:latin typeface="JetBrains Mono"/>
+              </a:rPr>
+              <a:t>Employee </a:t>
+            </a:r>
+            <a:r>
+              <a:rPr kumimoji="0" lang="en-US" altLang="en-US" sz="1400" b="0" i="0" u="none" strike="noStrike" cap="none" normalizeH="0" baseline="0" dirty="0" err="1">
+                <a:ln>
+                  <a:noFill/>
+                </a:ln>
+                <a:solidFill>
+                  <a:srgbClr val="00627A"/>
+                </a:solidFill>
+                <a:effectLst/>
+                <a:latin typeface="JetBrains Mono"/>
+              </a:rPr>
+              <a:t>getEmployee</a:t>
+            </a:r>
+            <a:r>
+              <a:rPr kumimoji="0" lang="en-US" altLang="en-US" sz="1400" b="0" i="0" u="none" strike="noStrike" cap="none" normalizeH="0" baseline="0" dirty="0">
+                <a:ln>
+                  <a:noFill/>
+                </a:ln>
+                <a:solidFill>
+                  <a:srgbClr val="080808"/>
+                </a:solidFill>
+                <a:effectLst/>
+                <a:latin typeface="JetBrains Mono"/>
+              </a:rPr>
+              <a:t>(</a:t>
+            </a:r>
+            <a:r>
+              <a:rPr kumimoji="0" lang="en-US" altLang="en-US" sz="1400" b="0" i="0" u="none" strike="noStrike" cap="none" normalizeH="0" baseline="0" dirty="0">
+                <a:ln>
+                  <a:noFill/>
+                </a:ln>
+                <a:solidFill>
+                  <a:srgbClr val="9E880D"/>
+                </a:solidFill>
+                <a:effectLst/>
+                <a:latin typeface="JetBrains Mono"/>
+              </a:rPr>
+              <a:t>@PathVariable</a:t>
+            </a:r>
+            <a:r>
+              <a:rPr kumimoji="0" lang="en-US" altLang="en-US" sz="1400" b="0" i="0" u="none" strike="noStrike" cap="none" normalizeH="0" baseline="0" dirty="0">
+                <a:ln>
+                  <a:noFill/>
+                </a:ln>
+                <a:solidFill>
+                  <a:srgbClr val="080808"/>
+                </a:solidFill>
+                <a:effectLst/>
+                <a:latin typeface="JetBrains Mono"/>
+              </a:rPr>
+              <a:t>(</a:t>
+            </a:r>
+            <a:r>
+              <a:rPr kumimoji="0" lang="en-US" altLang="en-US" sz="1400" b="0" i="0" u="none" strike="noStrike" cap="none" normalizeH="0" baseline="0" dirty="0">
+                <a:ln>
+                  <a:noFill/>
+                </a:ln>
+                <a:solidFill>
+                  <a:srgbClr val="067D17"/>
+                </a:solidFill>
+                <a:effectLst/>
+                <a:latin typeface="JetBrains Mono"/>
+              </a:rPr>
+              <a:t>"employeeId"</a:t>
+            </a:r>
+            <a:r>
+              <a:rPr kumimoji="0" lang="en-US" altLang="en-US" sz="1400" b="0" i="0" u="none" strike="noStrike" cap="none" normalizeH="0" baseline="0" dirty="0">
+                <a:ln>
+                  <a:noFill/>
+                </a:ln>
+                <a:solidFill>
+                  <a:srgbClr val="080808"/>
+                </a:solidFill>
+                <a:effectLst/>
+                <a:latin typeface="JetBrains Mono"/>
+              </a:rPr>
+              <a:t>) </a:t>
+            </a:r>
+            <a:r>
+              <a:rPr kumimoji="0" lang="en-US" altLang="en-US" sz="1400" b="0" i="0" u="none" strike="noStrike" cap="none" normalizeH="0" baseline="0" dirty="0">
+                <a:ln>
+                  <a:noFill/>
+                </a:ln>
+                <a:solidFill>
+                  <a:srgbClr val="000000"/>
+                </a:solidFill>
+                <a:effectLst/>
+                <a:latin typeface="JetBrains Mono"/>
+              </a:rPr>
+              <a:t>Integer </a:t>
+            </a:r>
+            <a:r>
+              <a:rPr kumimoji="0" lang="en-US" altLang="en-US" sz="1400" b="0" i="0" u="none" strike="noStrike" cap="none" normalizeH="0" baseline="0" dirty="0">
+                <a:ln>
+                  <a:noFill/>
+                </a:ln>
+                <a:solidFill>
+                  <a:srgbClr val="080808"/>
+                </a:solidFill>
+                <a:effectLst/>
+                <a:latin typeface="JetBrains Mono"/>
+              </a:rPr>
+              <a:t>id) {</a:t>
+            </a:r>
+            <a:br>
+              <a:rPr kumimoji="0" lang="en-US" altLang="en-US" sz="1400" b="0" i="0" u="none" strike="noStrike" cap="none" normalizeH="0" baseline="0" dirty="0">
+                <a:ln>
+                  <a:noFill/>
+                </a:ln>
+                <a:solidFill>
+                  <a:srgbClr val="080808"/>
+                </a:solidFill>
+                <a:effectLst/>
+                <a:latin typeface="JetBrains Mono"/>
+              </a:rPr>
+            </a:br>
+            <a:r>
+              <a:rPr kumimoji="0" lang="en-US" altLang="en-US" sz="1400" b="0" i="0" u="none" strike="noStrike" cap="none" normalizeH="0" baseline="0" dirty="0">
+                <a:ln>
+                  <a:noFill/>
+                </a:ln>
+                <a:solidFill>
+                  <a:srgbClr val="080808"/>
+                </a:solidFill>
+                <a:effectLst/>
+                <a:latin typeface="JetBrains Mono"/>
+              </a:rPr>
+              <a:t>        </a:t>
+            </a:r>
+            <a:r>
+              <a:rPr kumimoji="0" lang="en-US" altLang="en-US" sz="1400" b="0" i="0" u="none" strike="noStrike" cap="none" normalizeH="0" baseline="0" dirty="0">
+                <a:ln>
+                  <a:noFill/>
+                </a:ln>
+                <a:solidFill>
+                  <a:srgbClr val="0033B3"/>
+                </a:solidFill>
+                <a:effectLst/>
+                <a:latin typeface="JetBrains Mono"/>
+              </a:rPr>
+              <a:t>return </a:t>
+            </a:r>
+            <a:r>
+              <a:rPr kumimoji="0" lang="en-US" altLang="en-US" sz="1400" b="0" i="0" u="none" strike="noStrike" cap="none" normalizeH="0" baseline="0" dirty="0" err="1">
+                <a:ln>
+                  <a:noFill/>
+                </a:ln>
+                <a:solidFill>
+                  <a:srgbClr val="871094"/>
+                </a:solidFill>
+                <a:effectLst/>
+                <a:latin typeface="JetBrains Mono"/>
+              </a:rPr>
+              <a:t>employeeList</a:t>
+            </a:r>
+            <a:r>
+              <a:rPr kumimoji="0" lang="en-US" altLang="en-US" sz="1400" b="0" i="0" u="none" strike="noStrike" cap="none" normalizeH="0" baseline="0" dirty="0" err="1">
+                <a:ln>
+                  <a:noFill/>
+                </a:ln>
+                <a:solidFill>
+                  <a:srgbClr val="080808"/>
+                </a:solidFill>
+                <a:effectLst/>
+                <a:latin typeface="JetBrains Mono"/>
+              </a:rPr>
+              <a:t>.get</a:t>
+            </a:r>
+            <a:r>
+              <a:rPr kumimoji="0" lang="en-US" altLang="en-US" sz="1400" b="0" i="0" u="none" strike="noStrike" cap="none" normalizeH="0" baseline="0" dirty="0">
+                <a:ln>
+                  <a:noFill/>
+                </a:ln>
+                <a:solidFill>
+                  <a:srgbClr val="080808"/>
+                </a:solidFill>
+                <a:effectLst/>
+                <a:latin typeface="JetBrains Mono"/>
+              </a:rPr>
+              <a:t>(id);</a:t>
+            </a:r>
+            <a:br>
+              <a:rPr kumimoji="0" lang="en-US" altLang="en-US" sz="1400" b="0" i="0" u="none" strike="noStrike" cap="none" normalizeH="0" baseline="0" dirty="0">
+                <a:ln>
+                  <a:noFill/>
+                </a:ln>
+                <a:solidFill>
+                  <a:srgbClr val="080808"/>
+                </a:solidFill>
+                <a:effectLst/>
+                <a:latin typeface="JetBrains Mono"/>
+              </a:rPr>
+            </a:br>
+            <a:r>
+              <a:rPr kumimoji="0" lang="en-US" altLang="en-US" sz="1400" b="0" i="0" u="none" strike="noStrike" cap="none" normalizeH="0" baseline="0" dirty="0">
+                <a:ln>
+                  <a:noFill/>
+                </a:ln>
+                <a:solidFill>
+                  <a:srgbClr val="080808"/>
+                </a:solidFill>
+                <a:effectLst/>
+                <a:latin typeface="JetBrains Mono"/>
+              </a:rPr>
+              <a:t>    }</a:t>
+            </a:r>
+            <a:br>
+              <a:rPr kumimoji="0" lang="en-US" altLang="en-US" sz="1400" b="0" i="0" u="none" strike="noStrike" cap="none" normalizeH="0" baseline="0" dirty="0">
+                <a:ln>
+                  <a:noFill/>
+                </a:ln>
+                <a:solidFill>
+                  <a:srgbClr val="080808"/>
+                </a:solidFill>
+                <a:effectLst/>
+                <a:latin typeface="JetBrains Mono"/>
+              </a:rPr>
+            </a:br>
+            <a:r>
+              <a:rPr kumimoji="0" lang="en-US" altLang="en-US" sz="1400" b="0" i="0" u="none" strike="noStrike" cap="none" normalizeH="0" baseline="0" dirty="0">
+                <a:ln>
+                  <a:noFill/>
+                </a:ln>
+                <a:solidFill>
+                  <a:srgbClr val="080808"/>
+                </a:solidFill>
+                <a:effectLst/>
+                <a:latin typeface="JetBrains Mono"/>
+              </a:rPr>
+              <a:t>}</a:t>
+            </a:r>
+            <a:br>
+              <a:rPr kumimoji="0" lang="en-US" altLang="en-US" sz="1400" b="0" i="0" u="none" strike="noStrike" cap="none" normalizeH="0" baseline="0" dirty="0">
+                <a:ln>
+                  <a:noFill/>
+                </a:ln>
+                <a:solidFill>
+                  <a:srgbClr val="080808"/>
+                </a:solidFill>
+                <a:effectLst/>
+                <a:latin typeface="JetBrains Mono"/>
+              </a:rPr>
+            </a:br>
+            <a:endParaRPr kumimoji="0" lang="en-US" altLang="en-US" sz="1400" b="0" i="0" u="none" strike="noStrike" cap="none" normalizeH="0" baseline="0" dirty="0">
+              <a:ln>
+                <a:noFill/>
+              </a:ln>
+              <a:solidFill>
+                <a:schemeClr val="tx1"/>
+              </a:solidFill>
+              <a:effectLst/>
+              <a:latin typeface="Arial" panose="020B0604020202020204" pitchFamily="34" charset="0"/>
+            </a:endParaRPr>
+          </a:p>
+        </p:txBody>
+      </p:sp>
+    </p:spTree>
+    <p:extLst>
+      <p:ext uri="{BB962C8B-B14F-4D97-AF65-F5344CB8AC3E}">
+        <p14:creationId xmlns:p14="http://schemas.microsoft.com/office/powerpoint/2010/main" val="2478037341"/>
+      </p:ext>
+    </p:extLst>
+  </p:cSld>
+  <p:clrMapOvr>
+    <a:masterClrMapping/>
+  </p:clrMapOvr>
+</p:sld>
+</file>
+
+<file path=ppt/slides/slide9.xml><?xml version="1.0" encoding="utf-8"?>
+<p:sld xmlns:a="http://schemas.openxmlformats.org/drawingml/2006/main" xmlns:r="http://schemas.openxmlformats.org/officeDocument/2006/relationships" xmlns:p="http://schemas.openxmlformats.org/presentationml/2006/main">
+  <p:cSld>
+    <p:spTree>
+      <p:nvGrpSpPr>
+        <p:cNvPr id="1" name=""/>
+        <p:cNvGrpSpPr/>
+        <p:nvPr/>
+      </p:nvGrpSpPr>
+      <p:grpSpPr>
+        <a:xfrm>
+          <a:off x="0" y="0"/>
+          <a:ext cx="0" cy="0"/>
+          <a:chOff x="0" y="0"/>
+          <a:chExt cx="0" cy="0"/>
+        </a:xfrm>
+      </p:grpSpPr>
+      <p:sp>
+        <p:nvSpPr>
+          <p:cNvPr id="2" name="Title 1">
+            <a:extLst>
+              <a:ext uri="{FF2B5EF4-FFF2-40B4-BE49-F238E27FC236}">
+                <a16:creationId xmlns:a16="http://schemas.microsoft.com/office/drawing/2014/main" id="{F63A9465-57B5-46CE-AD76-178645432931}"/>
+              </a:ext>
+            </a:extLst>
+          </p:cNvPr>
+          <p:cNvSpPr>
+            <a:spLocks noGrp="1"/>
+          </p:cNvSpPr>
+          <p:nvPr>
+            <p:ph type="title"/>
+          </p:nvPr>
+        </p:nvSpPr>
+        <p:spPr/>
+        <p:txBody>
+          <a:bodyPr/>
+          <a:lstStyle/>
+          <a:p>
+            <a:r>
+              <a:rPr lang="et-EE" dirty="0"/>
+              <a:t>Näidis Ülesanne 2</a:t>
+            </a:r>
+            <a:endParaRPr lang="en-US" dirty="0"/>
+          </a:p>
+        </p:txBody>
+      </p:sp>
+      <p:graphicFrame>
+        <p:nvGraphicFramePr>
+          <p:cNvPr id="4" name="Table 4">
+            <a:extLst>
+              <a:ext uri="{FF2B5EF4-FFF2-40B4-BE49-F238E27FC236}">
+                <a16:creationId xmlns:a16="http://schemas.microsoft.com/office/drawing/2014/main" id="{A7DF1316-2DF1-4C11-962E-DBD773E6E9C8}"/>
+              </a:ext>
+            </a:extLst>
+          </p:cNvPr>
+          <p:cNvGraphicFramePr>
+            <a:graphicFrameLocks noGrp="1"/>
+          </p:cNvGraphicFramePr>
+          <p:nvPr>
+            <p:ph idx="1"/>
+            <p:extLst>
+              <p:ext uri="{D42A27DB-BD31-4B8C-83A1-F6EECF244321}">
+                <p14:modId xmlns:p14="http://schemas.microsoft.com/office/powerpoint/2010/main" val="2732465362"/>
+              </p:ext>
+            </p:extLst>
+          </p:nvPr>
+        </p:nvGraphicFramePr>
+        <p:xfrm>
+          <a:off x="450850" y="2387600"/>
+          <a:ext cx="8235948" cy="1483360"/>
+        </p:xfrm>
+        <a:graphic>
+          <a:graphicData uri="http://schemas.openxmlformats.org/drawingml/2006/table">
+            <a:tbl>
+              <a:tblPr firstRow="1" bandRow="1">
+                <a:tableStyleId>{5C22544A-7EE6-4342-B048-85BDC9FD1C3A}</a:tableStyleId>
+              </a:tblPr>
+              <a:tblGrid>
+                <a:gridCol w="2745316">
+                  <a:extLst>
+                    <a:ext uri="{9D8B030D-6E8A-4147-A177-3AD203B41FA5}">
+                      <a16:colId xmlns:a16="http://schemas.microsoft.com/office/drawing/2014/main" val="210578535"/>
+                    </a:ext>
+                  </a:extLst>
+                </a:gridCol>
+                <a:gridCol w="2745316">
+                  <a:extLst>
+                    <a:ext uri="{9D8B030D-6E8A-4147-A177-3AD203B41FA5}">
+                      <a16:colId xmlns:a16="http://schemas.microsoft.com/office/drawing/2014/main" val="1501288521"/>
+                    </a:ext>
+                  </a:extLst>
+                </a:gridCol>
+                <a:gridCol w="2745316">
+                  <a:extLst>
+                    <a:ext uri="{9D8B030D-6E8A-4147-A177-3AD203B41FA5}">
+                      <a16:colId xmlns:a16="http://schemas.microsoft.com/office/drawing/2014/main" val="550353460"/>
+                    </a:ext>
+                  </a:extLst>
+                </a:gridCol>
+              </a:tblGrid>
+              <a:tr h="370840">
+                <a:tc>
+                  <a:txBody>
+                    <a:bodyPr/>
+                    <a:lstStyle/>
+                    <a:p>
+                      <a:r>
+                        <a:rPr lang="et-EE" dirty="0"/>
+                        <a:t>id</a:t>
+                      </a:r>
+                      <a:endParaRPr lang="en-US" dirty="0"/>
+                    </a:p>
+                  </a:txBody>
+                  <a:tcPr/>
+                </a:tc>
+                <a:tc>
+                  <a:txBody>
+                    <a:bodyPr/>
+                    <a:lstStyle/>
+                    <a:p>
+                      <a:r>
+                        <a:rPr lang="et-EE" dirty="0" err="1"/>
+                        <a:t>name</a:t>
+                      </a:r>
+                      <a:endParaRPr lang="en-US" dirty="0"/>
+                    </a:p>
+                  </a:txBody>
+                  <a:tcPr/>
+                </a:tc>
+                <a:tc>
+                  <a:txBody>
+                    <a:bodyPr/>
+                    <a:lstStyle/>
+                    <a:p>
+                      <a:r>
+                        <a:rPr lang="et-EE" dirty="0" err="1"/>
+                        <a:t>address</a:t>
+                      </a:r>
+                      <a:endParaRPr lang="en-US" dirty="0"/>
+                    </a:p>
+                  </a:txBody>
+                  <a:tcPr/>
+                </a:tc>
+                <a:extLst>
+                  <a:ext uri="{0D108BD9-81ED-4DB2-BD59-A6C34878D82A}">
+                    <a16:rowId xmlns:a16="http://schemas.microsoft.com/office/drawing/2014/main" val="644625737"/>
+                  </a:ext>
+                </a:extLst>
+              </a:tr>
+              <a:tr h="370840">
+                <a:tc>
+                  <a:txBody>
+                    <a:bodyPr/>
+                    <a:lstStyle/>
+                    <a:p>
+                      <a:r>
+                        <a:rPr lang="et-EE" dirty="0"/>
+                        <a:t>1</a:t>
+                      </a:r>
+                      <a:endParaRPr lang="en-US" dirty="0"/>
+                    </a:p>
+                  </a:txBody>
+                  <a:tcPr/>
+                </a:tc>
+                <a:tc>
+                  <a:txBody>
+                    <a:bodyPr/>
+                    <a:lstStyle/>
+                    <a:p>
+                      <a:r>
+                        <a:rPr lang="et-EE" dirty="0"/>
+                        <a:t>John</a:t>
+                      </a:r>
+                      <a:endParaRPr lang="en-US" dirty="0"/>
+                    </a:p>
+                  </a:txBody>
+                  <a:tcPr/>
+                </a:tc>
+                <a:tc>
+                  <a:txBody>
+                    <a:bodyPr/>
+                    <a:lstStyle/>
+                    <a:p>
+                      <a:r>
+                        <a:rPr lang="et-EE" dirty="0"/>
+                        <a:t>USA</a:t>
+                      </a:r>
+                      <a:endParaRPr lang="en-US" dirty="0"/>
+                    </a:p>
+                  </a:txBody>
+                  <a:tcPr/>
+                </a:tc>
+                <a:extLst>
+                  <a:ext uri="{0D108BD9-81ED-4DB2-BD59-A6C34878D82A}">
+                    <a16:rowId xmlns:a16="http://schemas.microsoft.com/office/drawing/2014/main" val="3238972591"/>
+                  </a:ext>
+                </a:extLst>
+              </a:tr>
+              <a:tr h="370840">
+                <a:tc>
+                  <a:txBody>
+                    <a:bodyPr/>
+                    <a:lstStyle/>
+                    <a:p>
+                      <a:r>
+                        <a:rPr lang="et-EE" dirty="0"/>
+                        <a:t>2</a:t>
+                      </a:r>
+                      <a:endParaRPr lang="en-US" dirty="0"/>
+                    </a:p>
+                  </a:txBody>
+                  <a:tcPr/>
+                </a:tc>
+                <a:tc>
+                  <a:txBody>
+                    <a:bodyPr/>
+                    <a:lstStyle/>
+                    <a:p>
+                      <a:r>
+                        <a:rPr lang="et-EE" dirty="0"/>
+                        <a:t>Alice</a:t>
+                      </a:r>
+                      <a:endParaRPr lang="en-US" dirty="0"/>
+                    </a:p>
+                  </a:txBody>
+                  <a:tcPr/>
+                </a:tc>
+                <a:tc>
+                  <a:txBody>
+                    <a:bodyPr/>
+                    <a:lstStyle/>
+                    <a:p>
+                      <a:r>
+                        <a:rPr lang="et-EE" dirty="0"/>
+                        <a:t>UK</a:t>
+                      </a:r>
+                      <a:endParaRPr lang="en-US" dirty="0"/>
+                    </a:p>
+                  </a:txBody>
+                  <a:tcPr/>
+                </a:tc>
+                <a:extLst>
+                  <a:ext uri="{0D108BD9-81ED-4DB2-BD59-A6C34878D82A}">
+                    <a16:rowId xmlns:a16="http://schemas.microsoft.com/office/drawing/2014/main" val="2304474025"/>
+                  </a:ext>
+                </a:extLst>
+              </a:tr>
+              <a:tr h="370840">
+                <a:tc>
+                  <a:txBody>
+                    <a:bodyPr/>
+                    <a:lstStyle/>
+                    <a:p>
+                      <a:r>
+                        <a:rPr lang="et-EE" dirty="0"/>
+                        <a:t>3</a:t>
+                      </a:r>
+                      <a:endParaRPr lang="en-US" dirty="0"/>
+                    </a:p>
+                  </a:txBody>
+                  <a:tcPr/>
+                </a:tc>
+                <a:tc>
+                  <a:txBody>
+                    <a:bodyPr/>
+                    <a:lstStyle/>
+                    <a:p>
+                      <a:r>
+                        <a:rPr lang="et-EE" dirty="0"/>
+                        <a:t>Bob</a:t>
+                      </a:r>
+                      <a:endParaRPr lang="en-US" dirty="0"/>
+                    </a:p>
+                  </a:txBody>
+                  <a:tcPr/>
+                </a:tc>
+                <a:tc>
+                  <a:txBody>
+                    <a:bodyPr/>
+                    <a:lstStyle/>
+                    <a:p>
+                      <a:r>
+                        <a:rPr lang="et-EE" dirty="0" err="1"/>
+                        <a:t>Unknown</a:t>
+                      </a:r>
+                      <a:endParaRPr lang="en-US" dirty="0"/>
+                    </a:p>
+                  </a:txBody>
+                  <a:tcPr/>
+                </a:tc>
+                <a:extLst>
+                  <a:ext uri="{0D108BD9-81ED-4DB2-BD59-A6C34878D82A}">
+                    <a16:rowId xmlns:a16="http://schemas.microsoft.com/office/drawing/2014/main" val="1912097439"/>
+                  </a:ext>
+                </a:extLst>
+              </a:tr>
+            </a:tbl>
+          </a:graphicData>
+        </a:graphic>
+      </p:graphicFrame>
+      <p:sp>
+        <p:nvSpPr>
+          <p:cNvPr id="5" name="Content Placeholder 4">
+            <a:extLst>
+              <a:ext uri="{FF2B5EF4-FFF2-40B4-BE49-F238E27FC236}">
+                <a16:creationId xmlns:a16="http://schemas.microsoft.com/office/drawing/2014/main" id="{1EF36705-0575-47DD-BD04-C69A59F852AF}"/>
+              </a:ext>
+            </a:extLst>
+          </p:cNvPr>
+          <p:cNvSpPr txBox="1">
+            <a:spLocks/>
+          </p:cNvSpPr>
+          <p:nvPr/>
+        </p:nvSpPr>
+        <p:spPr>
+          <a:xfrm>
+            <a:off x="539552" y="4100726"/>
+            <a:ext cx="8147248" cy="2280602"/>
+          </a:xfrm>
+          <a:prstGeom prst="rect">
+            <a:avLst/>
+          </a:prstGeom>
+        </p:spPr>
+        <p:txBody>
+          <a:bodyPr vert="horz" lIns="91440" tIns="45720" rIns="91440" bIns="45720" rtlCol="0">
+            <a:normAutofit/>
+          </a:bodyPr>
+          <a:lstStyle>
+            <a:lvl1pPr marL="342900" indent="-342900" algn="l" defTabSz="914400" rtl="0" eaLnBrk="1" latinLnBrk="0" hangingPunct="1">
+              <a:spcBef>
+                <a:spcPct val="20000"/>
+              </a:spcBef>
+              <a:buFont typeface="Arial" pitchFamily="34" charset="0"/>
+              <a:buChar char="•"/>
+              <a:defRPr sz="2800" kern="1200">
+                <a:solidFill>
+                  <a:schemeClr val="tx1">
+                    <a:lumMod val="85000"/>
+                    <a:lumOff val="15000"/>
+                  </a:schemeClr>
+                </a:solidFill>
+                <a:latin typeface="+mn-lt"/>
+                <a:ea typeface="+mn-ea"/>
+                <a:cs typeface="+mn-cs"/>
+              </a:defRPr>
+            </a:lvl1pPr>
+            <a:lvl2pPr marL="742950" indent="-285750" algn="l" defTabSz="914400" rtl="0" eaLnBrk="1" latinLnBrk="0" hangingPunct="1">
+              <a:spcBef>
+                <a:spcPct val="20000"/>
+              </a:spcBef>
+              <a:buFont typeface="Arial" pitchFamily="34" charset="0"/>
+              <a:buChar char="–"/>
+              <a:defRPr sz="2600" kern="1200">
+                <a:solidFill>
+                  <a:schemeClr val="tx1">
+                    <a:lumMod val="85000"/>
+                    <a:lumOff val="15000"/>
+                  </a:schemeClr>
+                </a:solidFill>
+                <a:latin typeface="+mn-lt"/>
+                <a:ea typeface="+mn-ea"/>
+                <a:cs typeface="+mn-cs"/>
+              </a:defRPr>
+            </a:lvl2pPr>
+            <a:lvl3pPr marL="1143000" indent="-228600" algn="l" defTabSz="914400" rtl="0" eaLnBrk="1" latinLnBrk="0" hangingPunct="1">
+              <a:spcBef>
+                <a:spcPct val="20000"/>
+              </a:spcBef>
+              <a:buFont typeface="Arial" pitchFamily="34" charset="0"/>
+              <a:buChar char="•"/>
+              <a:defRPr sz="2400" kern="1200">
+                <a:solidFill>
+                  <a:schemeClr val="tx1">
+                    <a:lumMod val="85000"/>
+                    <a:lumOff val="15000"/>
+                  </a:schemeClr>
+                </a:solidFill>
+                <a:latin typeface="+mn-lt"/>
+                <a:ea typeface="+mn-ea"/>
+                <a:cs typeface="+mn-cs"/>
+              </a:defRPr>
+            </a:lvl3pPr>
+            <a:lvl4pPr marL="1600200" indent="-228600" algn="l" defTabSz="914400" rtl="0" eaLnBrk="1" latinLnBrk="0" hangingPunct="1">
+              <a:spcBef>
+                <a:spcPct val="20000"/>
+              </a:spcBef>
+              <a:buFont typeface="Arial" pitchFamily="34" charset="0"/>
+              <a:buChar char="–"/>
+              <a:defRPr sz="2000" kern="1200">
+                <a:solidFill>
+                  <a:schemeClr val="tx1">
+                    <a:lumMod val="85000"/>
+                    <a:lumOff val="15000"/>
+                  </a:schemeClr>
+                </a:solidFill>
+                <a:latin typeface="+mn-lt"/>
+                <a:ea typeface="+mn-ea"/>
+                <a:cs typeface="+mn-cs"/>
+              </a:defRPr>
+            </a:lvl4pPr>
+            <a:lvl5pPr marL="2057400" indent="-228600" algn="l" defTabSz="914400" rtl="0" eaLnBrk="1" latinLnBrk="0" hangingPunct="1">
+              <a:spcBef>
+                <a:spcPct val="20000"/>
+              </a:spcBef>
+              <a:buFont typeface="Arial" pitchFamily="34" charset="0"/>
+              <a:buChar char="»"/>
+              <a:defRPr sz="2000" kern="1200">
+                <a:solidFill>
+                  <a:schemeClr val="tx1">
+                    <a:lumMod val="85000"/>
+                    <a:lumOff val="15000"/>
+                  </a:schemeClr>
+                </a:solidFill>
+                <a:latin typeface="+mn-lt"/>
+                <a:ea typeface="+mn-ea"/>
+                <a:cs typeface="+mn-cs"/>
+              </a:defRPr>
+            </a:lvl5pPr>
+            <a:lvl6pPr marL="2514600" indent="-228600" algn="l" defTabSz="914400" rtl="0" eaLnBrk="1" latinLnBrk="0" hangingPunct="1">
+              <a:spcBef>
+                <a:spcPct val="20000"/>
+              </a:spcBef>
+              <a:buFont typeface="Arial" pitchFamily="34" charset="0"/>
+              <a:buChar char="•"/>
+              <a:defRPr sz="2000" kern="1200">
+                <a:solidFill>
+                  <a:schemeClr val="tx1"/>
+                </a:solidFill>
+                <a:latin typeface="+mn-lt"/>
+                <a:ea typeface="+mn-ea"/>
+                <a:cs typeface="+mn-cs"/>
+              </a:defRPr>
+            </a:lvl6pPr>
+            <a:lvl7pPr marL="2971800" indent="-228600" algn="l" defTabSz="914400" rtl="0" eaLnBrk="1" latinLnBrk="0" hangingPunct="1">
+              <a:spcBef>
+                <a:spcPct val="20000"/>
+              </a:spcBef>
+              <a:buFont typeface="Arial" pitchFamily="34" charset="0"/>
+              <a:buChar char="•"/>
+              <a:defRPr sz="2000" kern="1200">
+                <a:solidFill>
+                  <a:schemeClr val="tx1"/>
+                </a:solidFill>
+                <a:latin typeface="+mn-lt"/>
+                <a:ea typeface="+mn-ea"/>
+                <a:cs typeface="+mn-cs"/>
+              </a:defRPr>
+            </a:lvl7pPr>
+            <a:lvl8pPr marL="3429000" indent="-228600" algn="l" defTabSz="914400" rtl="0" eaLnBrk="1" latinLnBrk="0" hangingPunct="1">
+              <a:spcBef>
+                <a:spcPct val="20000"/>
+              </a:spcBef>
+              <a:buFont typeface="Arial" pitchFamily="34" charset="0"/>
+              <a:buChar char="•"/>
+              <a:defRPr sz="2000" kern="1200">
+                <a:solidFill>
+                  <a:schemeClr val="tx1"/>
+                </a:solidFill>
+                <a:latin typeface="+mn-lt"/>
+                <a:ea typeface="+mn-ea"/>
+                <a:cs typeface="+mn-cs"/>
+              </a:defRPr>
+            </a:lvl8pPr>
+            <a:lvl9pPr marL="3886200" indent="-228600" algn="l" defTabSz="914400" rtl="0" eaLnBrk="1" latinLnBrk="0" hangingPunct="1">
+              <a:spcBef>
+                <a:spcPct val="20000"/>
+              </a:spcBef>
+              <a:buFont typeface="Arial" pitchFamily="34" charset="0"/>
+              <a:buChar char="•"/>
+              <a:defRPr sz="2000" kern="1200">
+                <a:solidFill>
+                  <a:schemeClr val="tx1"/>
+                </a:solidFill>
+                <a:latin typeface="+mn-lt"/>
+                <a:ea typeface="+mn-ea"/>
+                <a:cs typeface="+mn-cs"/>
+              </a:defRPr>
+            </a:lvl9pPr>
+          </a:lstStyle>
+          <a:p>
+            <a:pPr marL="0" indent="0">
+              <a:buNone/>
+            </a:pPr>
+            <a:r>
+              <a:rPr lang="et-EE" dirty="0"/>
+              <a:t>Kirjuta SQL mis:</a:t>
+            </a:r>
+          </a:p>
+          <a:p>
+            <a:r>
+              <a:rPr lang="et-EE" dirty="0"/>
+              <a:t>Tagastab </a:t>
+            </a:r>
+            <a:r>
+              <a:rPr lang="et-EE" dirty="0" err="1"/>
+              <a:t>John-i</a:t>
+            </a:r>
+            <a:r>
+              <a:rPr lang="et-EE" dirty="0"/>
+              <a:t> aadressi</a:t>
+            </a:r>
+          </a:p>
+          <a:p>
+            <a:r>
+              <a:rPr lang="et-EE" dirty="0"/>
+              <a:t>Lisab uue rea tabelisse</a:t>
+            </a:r>
+          </a:p>
+          <a:p>
+            <a:r>
+              <a:rPr lang="et-EE" dirty="0"/>
+              <a:t>Muudab </a:t>
+            </a:r>
+            <a:r>
+              <a:rPr lang="et-EE" dirty="0" err="1"/>
+              <a:t>Bob-i</a:t>
+            </a:r>
+            <a:r>
+              <a:rPr lang="et-EE" dirty="0"/>
+              <a:t> aadressi</a:t>
+            </a:r>
+          </a:p>
+          <a:p>
+            <a:endParaRPr lang="et-EE" dirty="0"/>
+          </a:p>
+        </p:txBody>
+      </p:sp>
+    </p:spTree>
+    <p:extLst>
+      <p:ext uri="{BB962C8B-B14F-4D97-AF65-F5344CB8AC3E}">
+        <p14:creationId xmlns:p14="http://schemas.microsoft.com/office/powerpoint/2010/main" val="400059877"/>
       </p:ext>
     </p:extLst>
   </p:cSld>
